--- a/Presentaciones/Clases InputStreamReader y OutputStreamWriter.pptx
+++ b/Presentaciones/Clases InputStreamReader y OutputStreamWriter.pptx
@@ -17,25 +17,23 @@
     <p:sldId id="262" r:id="rId12"/>
     <p:sldId id="263" r:id="rId13"/>
     <p:sldId id="264" r:id="rId14"/>
-    <p:sldId id="265" r:id="rId15"/>
-    <p:sldId id="266" r:id="rId16"/>
   </p:sldIdLst>
   <p:sldSz cy="5143500" cx="9144000"/>
   <p:notesSz cx="6858000" cy="9144000"/>
   <p:embeddedFontLst>
     <p:embeddedFont>
       <p:font typeface="Roboto"/>
-      <p:regular r:id="rId17"/>
-      <p:bold r:id="rId18"/>
-      <p:italic r:id="rId19"/>
-      <p:boldItalic r:id="rId20"/>
+      <p:regular r:id="rId15"/>
+      <p:bold r:id="rId16"/>
+      <p:italic r:id="rId17"/>
+      <p:boldItalic r:id="rId18"/>
     </p:embeddedFont>
     <p:embeddedFont>
       <p:font typeface="Merriweather"/>
-      <p:regular r:id="rId21"/>
-      <p:bold r:id="rId22"/>
-      <p:italic r:id="rId23"/>
-      <p:boldItalic r:id="rId24"/>
+      <p:regular r:id="rId19"/>
+      <p:bold r:id="rId20"/>
+      <p:italic r:id="rId21"/>
+      <p:boldItalic r:id="rId22"/>
     </p:embeddedFont>
   </p:embeddedFontLst>
   <p:defaultTextStyle>
@@ -809,204 +807,6 @@
 </p:notes>
 </file>
 
-<file path=ppt/notesSlides/notesSlide10.xml><?xml version="1.0" encoding="utf-8"?>
-<p:notes xmlns:a="http://schemas.openxmlformats.org/drawingml/2006/main" xmlns:r="http://schemas.openxmlformats.org/officeDocument/2006/relationships" xmlns:mc="http://schemas.openxmlformats.org/markup-compatibility/2006" xmlns:mv="urn:schemas-microsoft-com:mac:vml" xmlns:p="http://schemas.openxmlformats.org/presentationml/2006/main" xmlns:c="http://schemas.openxmlformats.org/drawingml/2006/chart" xmlns:dgm="http://schemas.openxmlformats.org/drawingml/2006/diagram" xmlns:o="urn:schemas-microsoft-com:office:office" xmlns:v="urn:schemas-microsoft-com:vml" xmlns:pvml="urn:schemas-microsoft-com:office:powerpoint" xmlns:com="http://schemas.openxmlformats.org/drawingml/2006/compatibility" xmlns:p14="http://schemas.microsoft.com/office/powerpoint/2010/main" xmlns:p15="http://schemas.microsoft.com/office/powerpoint/2012/main" showMasterPhAnim="0" showMasterSp="0">
-  <p:cSld>
-    <p:spTree>
-      <p:nvGrpSpPr>
-        <p:cNvPr id="115" name="Shape 115"/>
-        <p:cNvGrpSpPr/>
-        <p:nvPr/>
-      </p:nvGrpSpPr>
-      <p:grpSpPr>
-        <a:xfrm>
-          <a:off x="0" y="0"/>
-          <a:ext cx="0" cy="0"/>
-          <a:chOff x="0" y="0"/>
-          <a:chExt cx="0" cy="0"/>
-        </a:xfrm>
-      </p:grpSpPr>
-      <p:sp>
-        <p:nvSpPr>
-          <p:cNvPr id="116" name="Google Shape;116;g550b3f42e8_0_111:notes"/>
-          <p:cNvSpPr/>
-          <p:nvPr>
-            <p:ph idx="2" type="sldImg"/>
-          </p:nvPr>
-        </p:nvSpPr>
-        <p:spPr>
-          <a:xfrm>
-            <a:off x="381300" y="685800"/>
-            <a:ext cx="6096000" cy="3429000"/>
-          </a:xfrm>
-          <a:custGeom>
-            <a:rect b="b" l="l" r="r" t="t"/>
-            <a:pathLst>
-              <a:path extrusionOk="0" h="120000" w="120000">
-                <a:moveTo>
-                  <a:pt x="0" y="0"/>
-                </a:moveTo>
-                <a:lnTo>
-                  <a:pt x="120000" y="0"/>
-                </a:lnTo>
-                <a:lnTo>
-                  <a:pt x="120000" y="120000"/>
-                </a:lnTo>
-                <a:lnTo>
-                  <a:pt x="0" y="120000"/>
-                </a:lnTo>
-                <a:close/>
-              </a:path>
-            </a:pathLst>
-          </a:custGeom>
-        </p:spPr>
-      </p:sp>
-      <p:sp>
-        <p:nvSpPr>
-          <p:cNvPr id="117" name="Google Shape;117;g550b3f42e8_0_111:notes"/>
-          <p:cNvSpPr txBox="1"/>
-          <p:nvPr>
-            <p:ph idx="1" type="body"/>
-          </p:nvPr>
-        </p:nvSpPr>
-        <p:spPr>
-          <a:xfrm>
-            <a:off x="685800" y="4343400"/>
-            <a:ext cx="5486400" cy="4114800"/>
-          </a:xfrm>
-          <a:prstGeom prst="rect">
-            <a:avLst/>
-          </a:prstGeom>
-        </p:spPr>
-        <p:txBody>
-          <a:bodyPr anchorCtr="0" anchor="t" bIns="91425" lIns="91425" spcFirstLastPara="1" rIns="91425" wrap="square" tIns="91425">
-            <a:noAutofit/>
-          </a:bodyPr>
-          <a:lstStyle/>
-          <a:p>
-            <a:pPr indent="0" lvl="0" marL="0" rtl="0" algn="l">
-              <a:spcBef>
-                <a:spcPts val="0"/>
-              </a:spcBef>
-              <a:spcAft>
-                <a:spcPts val="0"/>
-              </a:spcAft>
-              <a:buNone/>
-            </a:pPr>
-            <a:r>
-              <a:t/>
-            </a:r>
-            <a:endParaRPr/>
-          </a:p>
-        </p:txBody>
-      </p:sp>
-    </p:spTree>
-  </p:cSld>
-  <p:clrMapOvr>
-    <a:masterClrMapping/>
-  </p:clrMapOvr>
-</p:notes>
-</file>
-
-<file path=ppt/notesSlides/notesSlide11.xml><?xml version="1.0" encoding="utf-8"?>
-<p:notes xmlns:a="http://schemas.openxmlformats.org/drawingml/2006/main" xmlns:r="http://schemas.openxmlformats.org/officeDocument/2006/relationships" xmlns:mc="http://schemas.openxmlformats.org/markup-compatibility/2006" xmlns:mv="urn:schemas-microsoft-com:mac:vml" xmlns:p="http://schemas.openxmlformats.org/presentationml/2006/main" xmlns:c="http://schemas.openxmlformats.org/drawingml/2006/chart" xmlns:dgm="http://schemas.openxmlformats.org/drawingml/2006/diagram" xmlns:o="urn:schemas-microsoft-com:office:office" xmlns:v="urn:schemas-microsoft-com:vml" xmlns:pvml="urn:schemas-microsoft-com:office:powerpoint" xmlns:com="http://schemas.openxmlformats.org/drawingml/2006/compatibility" xmlns:p14="http://schemas.microsoft.com/office/powerpoint/2010/main" xmlns:p15="http://schemas.microsoft.com/office/powerpoint/2012/main" showMasterPhAnim="0" showMasterSp="0">
-  <p:cSld>
-    <p:spTree>
-      <p:nvGrpSpPr>
-        <p:cNvPr id="121" name="Shape 121"/>
-        <p:cNvGrpSpPr/>
-        <p:nvPr/>
-      </p:nvGrpSpPr>
-      <p:grpSpPr>
-        <a:xfrm>
-          <a:off x="0" y="0"/>
-          <a:ext cx="0" cy="0"/>
-          <a:chOff x="0" y="0"/>
-          <a:chExt cx="0" cy="0"/>
-        </a:xfrm>
-      </p:grpSpPr>
-      <p:sp>
-        <p:nvSpPr>
-          <p:cNvPr id="122" name="Google Shape;122;g550b3f42e8_0_116:notes"/>
-          <p:cNvSpPr/>
-          <p:nvPr>
-            <p:ph idx="2" type="sldImg"/>
-          </p:nvPr>
-        </p:nvSpPr>
-        <p:spPr>
-          <a:xfrm>
-            <a:off x="381300" y="685800"/>
-            <a:ext cx="6096000" cy="3429000"/>
-          </a:xfrm>
-          <a:custGeom>
-            <a:rect b="b" l="l" r="r" t="t"/>
-            <a:pathLst>
-              <a:path extrusionOk="0" h="120000" w="120000">
-                <a:moveTo>
-                  <a:pt x="0" y="0"/>
-                </a:moveTo>
-                <a:lnTo>
-                  <a:pt x="120000" y="0"/>
-                </a:lnTo>
-                <a:lnTo>
-                  <a:pt x="120000" y="120000"/>
-                </a:lnTo>
-                <a:lnTo>
-                  <a:pt x="0" y="120000"/>
-                </a:lnTo>
-                <a:close/>
-              </a:path>
-            </a:pathLst>
-          </a:custGeom>
-        </p:spPr>
-      </p:sp>
-      <p:sp>
-        <p:nvSpPr>
-          <p:cNvPr id="123" name="Google Shape;123;g550b3f42e8_0_116:notes"/>
-          <p:cNvSpPr txBox="1"/>
-          <p:nvPr>
-            <p:ph idx="1" type="body"/>
-          </p:nvPr>
-        </p:nvSpPr>
-        <p:spPr>
-          <a:xfrm>
-            <a:off x="685800" y="4343400"/>
-            <a:ext cx="5486400" cy="4114800"/>
-          </a:xfrm>
-          <a:prstGeom prst="rect">
-            <a:avLst/>
-          </a:prstGeom>
-        </p:spPr>
-        <p:txBody>
-          <a:bodyPr anchorCtr="0" anchor="t" bIns="91425" lIns="91425" spcFirstLastPara="1" rIns="91425" wrap="square" tIns="91425">
-            <a:noAutofit/>
-          </a:bodyPr>
-          <a:lstStyle/>
-          <a:p>
-            <a:pPr indent="0" lvl="0" marL="0" rtl="0" algn="l">
-              <a:spcBef>
-                <a:spcPts val="0"/>
-              </a:spcBef>
-              <a:spcAft>
-                <a:spcPts val="0"/>
-              </a:spcAft>
-              <a:buNone/>
-            </a:pPr>
-            <a:r>
-              <a:t/>
-            </a:r>
-            <a:endParaRPr/>
-          </a:p>
-        </p:txBody>
-      </p:sp>
-    </p:spTree>
-  </p:cSld>
-  <p:clrMapOvr>
-    <a:masterClrMapping/>
-  </p:clrMapOvr>
-</p:notes>
-</file>
-
 <file path=ppt/notesSlides/notesSlide2.xml><?xml version="1.0" encoding="utf-8"?>
 <p:notes xmlns:a="http://schemas.openxmlformats.org/drawingml/2006/main" xmlns:r="http://schemas.openxmlformats.org/officeDocument/2006/relationships" xmlns:mc="http://schemas.openxmlformats.org/markup-compatibility/2006" xmlns:mv="urn:schemas-microsoft-com:mac:vml" xmlns:p="http://schemas.openxmlformats.org/presentationml/2006/main" xmlns:c="http://schemas.openxmlformats.org/drawingml/2006/chart" xmlns:dgm="http://schemas.openxmlformats.org/drawingml/2006/diagram" xmlns:o="urn:schemas-microsoft-com:office:office" xmlns:v="urn:schemas-microsoft-com:vml" xmlns:pvml="urn:schemas-microsoft-com:office:powerpoint" xmlns:com="http://schemas.openxmlformats.org/drawingml/2006/compatibility" xmlns:p14="http://schemas.microsoft.com/office/powerpoint/2010/main" xmlns:p15="http://schemas.microsoft.com/office/powerpoint/2012/main" showMasterPhAnim="0" showMasterSp="0">
   <p:cSld>
@@ -1111,7 +911,7 @@
   <p:cSld>
     <p:spTree>
       <p:nvGrpSpPr>
-        <p:cNvPr id="73" name="Shape 73"/>
+        <p:cNvPr id="74" name="Shape 74"/>
         <p:cNvGrpSpPr/>
         <p:nvPr/>
       </p:nvGrpSpPr>
@@ -1125,7 +925,7 @@
       </p:grpSpPr>
       <p:sp>
         <p:nvSpPr>
-          <p:cNvPr id="74" name="Google Shape;74;g550b3f42e8_0_66:notes"/>
+          <p:cNvPr id="75" name="Google Shape;75;g550b3f42e8_0_66:notes"/>
           <p:cNvSpPr/>
           <p:nvPr>
             <p:ph idx="2" type="sldImg"/>
@@ -1160,7 +960,7 @@
       </p:sp>
       <p:sp>
         <p:nvSpPr>
-          <p:cNvPr id="75" name="Google Shape;75;g550b3f42e8_0_66:notes"/>
+          <p:cNvPr id="76" name="Google Shape;76;g550b3f42e8_0_66:notes"/>
           <p:cNvSpPr txBox="1"/>
           <p:nvPr>
             <p:ph idx="1" type="body"/>
@@ -1210,7 +1010,7 @@
   <p:cSld>
     <p:spTree>
       <p:nvGrpSpPr>
-        <p:cNvPr id="79" name="Shape 79"/>
+        <p:cNvPr id="80" name="Shape 80"/>
         <p:cNvGrpSpPr/>
         <p:nvPr/>
       </p:nvGrpSpPr>
@@ -1224,7 +1024,7 @@
       </p:grpSpPr>
       <p:sp>
         <p:nvSpPr>
-          <p:cNvPr id="80" name="Google Shape;80;g550b3f42e8_0_71:notes"/>
+          <p:cNvPr id="81" name="Google Shape;81;g550b3f42e8_0_76:notes"/>
           <p:cNvSpPr/>
           <p:nvPr>
             <p:ph idx="2" type="sldImg"/>
@@ -1259,7 +1059,7 @@
       </p:sp>
       <p:sp>
         <p:nvSpPr>
-          <p:cNvPr id="81" name="Google Shape;81;g550b3f42e8_0_71:notes"/>
+          <p:cNvPr id="82" name="Google Shape;82;g550b3f42e8_0_76:notes"/>
           <p:cNvSpPr txBox="1"/>
           <p:nvPr>
             <p:ph idx="1" type="body"/>
@@ -1309,7 +1109,7 @@
   <p:cSld>
     <p:spTree>
       <p:nvGrpSpPr>
-        <p:cNvPr id="85" name="Shape 85"/>
+        <p:cNvPr id="86" name="Shape 86"/>
         <p:cNvGrpSpPr/>
         <p:nvPr/>
       </p:nvGrpSpPr>
@@ -1323,7 +1123,7 @@
       </p:grpSpPr>
       <p:sp>
         <p:nvSpPr>
-          <p:cNvPr id="86" name="Google Shape;86;g550b3f42e8_0_76:notes"/>
+          <p:cNvPr id="87" name="Google Shape;87;g550b3f42e8_0_83:notes"/>
           <p:cNvSpPr/>
           <p:nvPr>
             <p:ph idx="2" type="sldImg"/>
@@ -1358,7 +1158,7 @@
       </p:sp>
       <p:sp>
         <p:nvSpPr>
-          <p:cNvPr id="87" name="Google Shape;87;g550b3f42e8_0_76:notes"/>
+          <p:cNvPr id="88" name="Google Shape;88;g550b3f42e8_0_83:notes"/>
           <p:cNvSpPr txBox="1"/>
           <p:nvPr>
             <p:ph idx="1" type="body"/>
@@ -1408,7 +1208,7 @@
   <p:cSld>
     <p:spTree>
       <p:nvGrpSpPr>
-        <p:cNvPr id="91" name="Shape 91"/>
+        <p:cNvPr id="92" name="Shape 92"/>
         <p:cNvGrpSpPr/>
         <p:nvPr/>
       </p:nvGrpSpPr>
@@ -1422,7 +1222,7 @@
       </p:grpSpPr>
       <p:sp>
         <p:nvSpPr>
-          <p:cNvPr id="92" name="Google Shape;92;g550b3f42e8_0_83:notes"/>
+          <p:cNvPr id="93" name="Google Shape;93;g550b3f42e8_0_96:notes"/>
           <p:cNvSpPr/>
           <p:nvPr>
             <p:ph idx="2" type="sldImg"/>
@@ -1457,7 +1257,7 @@
       </p:sp>
       <p:sp>
         <p:nvSpPr>
-          <p:cNvPr id="93" name="Google Shape;93;g550b3f42e8_0_83:notes"/>
+          <p:cNvPr id="94" name="Google Shape;94;g550b3f42e8_0_96:notes"/>
           <p:cNvSpPr txBox="1"/>
           <p:nvPr>
             <p:ph idx="1" type="body"/>
@@ -1507,7 +1307,7 @@
   <p:cSld>
     <p:spTree>
       <p:nvGrpSpPr>
-        <p:cNvPr id="97" name="Shape 97"/>
+        <p:cNvPr id="99" name="Shape 99"/>
         <p:cNvGrpSpPr/>
         <p:nvPr/>
       </p:nvGrpSpPr>
@@ -1521,7 +1321,7 @@
       </p:grpSpPr>
       <p:sp>
         <p:nvSpPr>
-          <p:cNvPr id="98" name="Google Shape;98;g550b3f42e8_0_96:notes"/>
+          <p:cNvPr id="100" name="Google Shape;100;g550b3f42e8_0_101:notes"/>
           <p:cNvSpPr/>
           <p:nvPr>
             <p:ph idx="2" type="sldImg"/>
@@ -1556,7 +1356,7 @@
       </p:sp>
       <p:sp>
         <p:nvSpPr>
-          <p:cNvPr id="99" name="Google Shape;99;g550b3f42e8_0_96:notes"/>
+          <p:cNvPr id="101" name="Google Shape;101;g550b3f42e8_0_101:notes"/>
           <p:cNvSpPr txBox="1"/>
           <p:nvPr>
             <p:ph idx="1" type="body"/>
@@ -1606,7 +1406,7 @@
   <p:cSld>
     <p:spTree>
       <p:nvGrpSpPr>
-        <p:cNvPr id="103" name="Shape 103"/>
+        <p:cNvPr id="105" name="Shape 105"/>
         <p:cNvGrpSpPr/>
         <p:nvPr/>
       </p:nvGrpSpPr>
@@ -1620,7 +1420,7 @@
       </p:grpSpPr>
       <p:sp>
         <p:nvSpPr>
-          <p:cNvPr id="104" name="Google Shape;104;g550b3f42e8_0_101:notes"/>
+          <p:cNvPr id="106" name="Google Shape;106;g550b3f42e8_0_116:notes"/>
           <p:cNvSpPr/>
           <p:nvPr>
             <p:ph idx="2" type="sldImg"/>
@@ -1655,7 +1455,7 @@
       </p:sp>
       <p:sp>
         <p:nvSpPr>
-          <p:cNvPr id="105" name="Google Shape;105;g550b3f42e8_0_101:notes"/>
+          <p:cNvPr id="107" name="Google Shape;107;g550b3f42e8_0_116:notes"/>
           <p:cNvSpPr txBox="1"/>
           <p:nvPr>
             <p:ph idx="1" type="body"/>
@@ -1705,7 +1505,7 @@
   <p:cSld>
     <p:spTree>
       <p:nvGrpSpPr>
-        <p:cNvPr id="109" name="Shape 109"/>
+        <p:cNvPr id="111" name="Shape 111"/>
         <p:cNvGrpSpPr/>
         <p:nvPr/>
       </p:nvGrpSpPr>
@@ -1719,7 +1519,7 @@
       </p:grpSpPr>
       <p:sp>
         <p:nvSpPr>
-          <p:cNvPr id="110" name="Google Shape;110;g550b3f42e8_0_106:notes"/>
+          <p:cNvPr id="112" name="Google Shape;112;g550b3f42e8_0_111:notes"/>
           <p:cNvSpPr/>
           <p:nvPr>
             <p:ph idx="2" type="sldImg"/>
@@ -1754,7 +1554,7 @@
       </p:sp>
       <p:sp>
         <p:nvSpPr>
-          <p:cNvPr id="111" name="Google Shape;111;g550b3f42e8_0_106:notes"/>
+          <p:cNvPr id="113" name="Google Shape;113;g550b3f42e8_0_111:notes"/>
           <p:cNvSpPr txBox="1"/>
           <p:nvPr>
             <p:ph idx="1" type="body"/>
@@ -7947,898 +7747,9 @@
               <a:buNone/>
             </a:pPr>
             <a:r>
-              <a:rPr lang="es" sz="7200">
-                <a:solidFill>
-                  <a:schemeClr val="lt2"/>
-                </a:solidFill>
-                <a:latin typeface="Roboto"/>
-                <a:ea typeface="Roboto"/>
-                <a:cs typeface="Roboto"/>
-                <a:sym typeface="Roboto"/>
-              </a:rPr>
-              <a:t>😨</a:t>
+              <a:t/>
             </a:r>
             <a:endParaRPr sz="7200">
-              <a:latin typeface="Roboto"/>
-              <a:ea typeface="Roboto"/>
-              <a:cs typeface="Roboto"/>
-              <a:sym typeface="Roboto"/>
-            </a:endParaRPr>
-          </a:p>
-        </p:txBody>
-      </p:sp>
-    </p:spTree>
-  </p:cSld>
-  <p:clrMapOvr>
-    <a:masterClrMapping/>
-  </p:clrMapOvr>
-</p:sld>
-</file>
-
-<file path=ppt/slides/slide10.xml><?xml version="1.0" encoding="utf-8"?>
-<p:sld xmlns:a="http://schemas.openxmlformats.org/drawingml/2006/main" xmlns:r="http://schemas.openxmlformats.org/officeDocument/2006/relationships" xmlns:mc="http://schemas.openxmlformats.org/markup-compatibility/2006" xmlns:mv="urn:schemas-microsoft-com:mac:vml" xmlns:p="http://schemas.openxmlformats.org/presentationml/2006/main" xmlns:c="http://schemas.openxmlformats.org/drawingml/2006/chart" xmlns:dgm="http://schemas.openxmlformats.org/drawingml/2006/diagram" xmlns:o="urn:schemas-microsoft-com:office:office" xmlns:v="urn:schemas-microsoft-com:vml" xmlns:pvml="urn:schemas-microsoft-com:office:powerpoint" xmlns:com="http://schemas.openxmlformats.org/drawingml/2006/compatibility" xmlns:p14="http://schemas.microsoft.com/office/powerpoint/2010/main" xmlns:p15="http://schemas.microsoft.com/office/powerpoint/2012/main">
-  <p:cSld>
-    <p:spTree>
-      <p:nvGrpSpPr>
-        <p:cNvPr id="118" name="Shape 118"/>
-        <p:cNvGrpSpPr/>
-        <p:nvPr/>
-      </p:nvGrpSpPr>
-      <p:grpSpPr>
-        <a:xfrm>
-          <a:off x="0" y="0"/>
-          <a:ext cx="0" cy="0"/>
-          <a:chOff x="0" y="0"/>
-          <a:chExt cx="0" cy="0"/>
-        </a:xfrm>
-      </p:grpSpPr>
-      <p:sp>
-        <p:nvSpPr>
-          <p:cNvPr id="119" name="Google Shape;119;p22"/>
-          <p:cNvSpPr txBox="1"/>
-          <p:nvPr>
-            <p:ph type="title"/>
-          </p:nvPr>
-        </p:nvSpPr>
-        <p:spPr>
-          <a:xfrm>
-            <a:off x="311725" y="500925"/>
-            <a:ext cx="8520600" cy="623700"/>
-          </a:xfrm>
-          <a:prstGeom prst="rect">
-            <a:avLst/>
-          </a:prstGeom>
-        </p:spPr>
-        <p:txBody>
-          <a:bodyPr anchorCtr="0" anchor="t" bIns="91425" lIns="91425" spcFirstLastPara="1" rIns="91425" wrap="square" tIns="91425">
-            <a:noAutofit/>
-          </a:bodyPr>
-          <a:lstStyle/>
-          <a:p>
-            <a:pPr indent="0" lvl="0" marL="0" rtl="0" algn="l">
-              <a:spcBef>
-                <a:spcPts val="0"/>
-              </a:spcBef>
-              <a:spcAft>
-                <a:spcPts val="0"/>
-              </a:spcAft>
-              <a:buNone/>
-            </a:pPr>
-            <a:r>
-              <a:rPr lang="es"/>
-              <a:t>OutputStreamWriter. Métodos</a:t>
-            </a:r>
-            <a:endParaRPr/>
-          </a:p>
-        </p:txBody>
-      </p:sp>
-      <p:sp>
-        <p:nvSpPr>
-          <p:cNvPr id="120" name="Google Shape;120;p22"/>
-          <p:cNvSpPr txBox="1"/>
-          <p:nvPr/>
-        </p:nvSpPr>
-        <p:spPr>
-          <a:xfrm>
-            <a:off x="311725" y="1474875"/>
-            <a:ext cx="8630400" cy="3358800"/>
-          </a:xfrm>
-          <a:prstGeom prst="rect">
-            <a:avLst/>
-          </a:prstGeom>
-          <a:noFill/>
-          <a:ln>
-            <a:noFill/>
-          </a:ln>
-        </p:spPr>
-        <p:txBody>
-          <a:bodyPr anchorCtr="0" anchor="t" bIns="91425" lIns="91425" spcFirstLastPara="1" rIns="91425" wrap="square" tIns="91425">
-            <a:noAutofit/>
-          </a:bodyPr>
-          <a:lstStyle/>
-          <a:p>
-            <a:pPr indent="0" lvl="0" marL="0" rtl="0" algn="l">
-              <a:spcBef>
-                <a:spcPts val="0"/>
-              </a:spcBef>
-              <a:spcAft>
-                <a:spcPts val="0"/>
-              </a:spcAft>
-              <a:buNone/>
-            </a:pPr>
-            <a:r>
-              <a:rPr b="1" lang="es" sz="2200">
-                <a:solidFill>
-                  <a:schemeClr val="dk1"/>
-                </a:solidFill>
-                <a:latin typeface="Roboto"/>
-                <a:ea typeface="Roboto"/>
-                <a:cs typeface="Roboto"/>
-                <a:sym typeface="Roboto"/>
-              </a:rPr>
-              <a:t>flush</a:t>
-            </a:r>
-            <a:r>
-              <a:rPr b="1" lang="es" sz="2200">
-                <a:solidFill>
-                  <a:schemeClr val="dk1"/>
-                </a:solidFill>
-                <a:latin typeface="Roboto"/>
-                <a:ea typeface="Roboto"/>
-                <a:cs typeface="Roboto"/>
-                <a:sym typeface="Roboto"/>
-              </a:rPr>
-              <a:t>()</a:t>
-            </a:r>
-            <a:endParaRPr b="1" sz="2200">
-              <a:solidFill>
-                <a:schemeClr val="dk1"/>
-              </a:solidFill>
-              <a:latin typeface="Roboto"/>
-              <a:ea typeface="Roboto"/>
-              <a:cs typeface="Roboto"/>
-              <a:sym typeface="Roboto"/>
-            </a:endParaRPr>
-          </a:p>
-          <a:p>
-            <a:pPr indent="-342900" lvl="0" marL="457200" rtl="0" algn="l">
-              <a:spcBef>
-                <a:spcPts val="0"/>
-              </a:spcBef>
-              <a:spcAft>
-                <a:spcPts val="0"/>
-              </a:spcAft>
-              <a:buSzPts val="1800"/>
-              <a:buFont typeface="Roboto"/>
-              <a:buChar char="-"/>
-            </a:pPr>
-            <a:r>
-              <a:rPr lang="es" sz="1800">
-                <a:latin typeface="Roboto"/>
-                <a:ea typeface="Roboto"/>
-                <a:cs typeface="Roboto"/>
-                <a:sym typeface="Roboto"/>
-              </a:rPr>
-              <a:t>Enjuaga* el flujo.</a:t>
-            </a:r>
-            <a:endParaRPr sz="1800">
-              <a:latin typeface="Roboto"/>
-              <a:ea typeface="Roboto"/>
-              <a:cs typeface="Roboto"/>
-              <a:sym typeface="Roboto"/>
-            </a:endParaRPr>
-          </a:p>
-          <a:p>
-            <a:pPr indent="-342900" lvl="0" marL="457200" rtl="0" algn="l">
-              <a:spcBef>
-                <a:spcPts val="0"/>
-              </a:spcBef>
-              <a:spcAft>
-                <a:spcPts val="0"/>
-              </a:spcAft>
-              <a:buSzPts val="1800"/>
-              <a:buFont typeface="Roboto"/>
-              <a:buChar char="-"/>
-            </a:pPr>
-            <a:r>
-              <a:rPr lang="es" sz="1800">
-                <a:latin typeface="Roboto"/>
-                <a:ea typeface="Roboto"/>
-                <a:cs typeface="Roboto"/>
-                <a:sym typeface="Roboto"/>
-              </a:rPr>
-              <a:t>Lanza IOException si ocurre algún error de entrada/salida.</a:t>
-            </a:r>
-            <a:endParaRPr sz="1800">
-              <a:latin typeface="Roboto"/>
-              <a:ea typeface="Roboto"/>
-              <a:cs typeface="Roboto"/>
-              <a:sym typeface="Roboto"/>
-            </a:endParaRPr>
-          </a:p>
-          <a:p>
-            <a:pPr indent="0" lvl="0" marL="0" rtl="0" algn="l">
-              <a:spcBef>
-                <a:spcPts val="0"/>
-              </a:spcBef>
-              <a:spcAft>
-                <a:spcPts val="0"/>
-              </a:spcAft>
-              <a:buNone/>
-            </a:pPr>
-            <a:r>
-              <a:t/>
-            </a:r>
-            <a:endParaRPr>
-              <a:latin typeface="Roboto"/>
-              <a:ea typeface="Roboto"/>
-              <a:cs typeface="Roboto"/>
-              <a:sym typeface="Roboto"/>
-            </a:endParaRPr>
-          </a:p>
-          <a:p>
-            <a:pPr indent="0" lvl="0" marL="0" rtl="0" algn="l">
-              <a:spcBef>
-                <a:spcPts val="0"/>
-              </a:spcBef>
-              <a:spcAft>
-                <a:spcPts val="0"/>
-              </a:spcAft>
-              <a:buNone/>
-            </a:pPr>
-            <a:r>
-              <a:rPr b="1" lang="es" sz="2200">
-                <a:solidFill>
-                  <a:schemeClr val="dk1"/>
-                </a:solidFill>
-                <a:latin typeface="Roboto"/>
-                <a:ea typeface="Roboto"/>
-                <a:cs typeface="Roboto"/>
-                <a:sym typeface="Roboto"/>
-              </a:rPr>
-              <a:t>close()</a:t>
-            </a:r>
-            <a:endParaRPr b="1" sz="2200">
-              <a:solidFill>
-                <a:schemeClr val="dk1"/>
-              </a:solidFill>
-              <a:latin typeface="Roboto"/>
-              <a:ea typeface="Roboto"/>
-              <a:cs typeface="Roboto"/>
-              <a:sym typeface="Roboto"/>
-            </a:endParaRPr>
-          </a:p>
-          <a:p>
-            <a:pPr indent="-342900" lvl="0" marL="457200" rtl="0" algn="l">
-              <a:spcBef>
-                <a:spcPts val="0"/>
-              </a:spcBef>
-              <a:spcAft>
-                <a:spcPts val="0"/>
-              </a:spcAft>
-              <a:buSzPts val="1800"/>
-              <a:buFont typeface="Roboto"/>
-              <a:buChar char="-"/>
-            </a:pPr>
-            <a:r>
-              <a:rPr lang="es" sz="1800">
-                <a:latin typeface="Roboto"/>
-                <a:ea typeface="Roboto"/>
-                <a:cs typeface="Roboto"/>
-                <a:sym typeface="Roboto"/>
-              </a:rPr>
-              <a:t>Cierra el flujo, “enjuagándolo” antes.</a:t>
-            </a:r>
-            <a:endParaRPr sz="1800">
-              <a:latin typeface="Roboto"/>
-              <a:ea typeface="Roboto"/>
-              <a:cs typeface="Roboto"/>
-              <a:sym typeface="Roboto"/>
-            </a:endParaRPr>
-          </a:p>
-          <a:p>
-            <a:pPr indent="-342900" lvl="0" marL="457200" rtl="0" algn="l">
-              <a:spcBef>
-                <a:spcPts val="0"/>
-              </a:spcBef>
-              <a:spcAft>
-                <a:spcPts val="0"/>
-              </a:spcAft>
-              <a:buSzPts val="1800"/>
-              <a:buFont typeface="Roboto"/>
-              <a:buChar char="-"/>
-            </a:pPr>
-            <a:r>
-              <a:rPr lang="es" sz="1800">
-                <a:latin typeface="Roboto"/>
-                <a:ea typeface="Roboto"/>
-                <a:cs typeface="Roboto"/>
-                <a:sym typeface="Roboto"/>
-              </a:rPr>
-              <a:t>Lanza IOException si ocurre algún error de entrada/salida.</a:t>
-            </a:r>
-            <a:endParaRPr sz="1800">
-              <a:latin typeface="Roboto"/>
-              <a:ea typeface="Roboto"/>
-              <a:cs typeface="Roboto"/>
-              <a:sym typeface="Roboto"/>
-            </a:endParaRPr>
-          </a:p>
-          <a:p>
-            <a:pPr indent="0" lvl="0" marL="0" rtl="0" algn="l">
-              <a:spcBef>
-                <a:spcPts val="0"/>
-              </a:spcBef>
-              <a:spcAft>
-                <a:spcPts val="0"/>
-              </a:spcAft>
-              <a:buNone/>
-            </a:pPr>
-            <a:r>
-              <a:t/>
-            </a:r>
-            <a:endParaRPr sz="1800">
-              <a:latin typeface="Roboto"/>
-              <a:ea typeface="Roboto"/>
-              <a:cs typeface="Roboto"/>
-              <a:sym typeface="Roboto"/>
-            </a:endParaRPr>
-          </a:p>
-          <a:p>
-            <a:pPr indent="0" lvl="0" marL="0" rtl="0" algn="l">
-              <a:spcBef>
-                <a:spcPts val="0"/>
-              </a:spcBef>
-              <a:spcAft>
-                <a:spcPts val="0"/>
-              </a:spcAft>
-              <a:buNone/>
-            </a:pPr>
-            <a:r>
-              <a:t/>
-            </a:r>
-            <a:endParaRPr sz="1800">
-              <a:latin typeface="Roboto"/>
-              <a:ea typeface="Roboto"/>
-              <a:cs typeface="Roboto"/>
-              <a:sym typeface="Roboto"/>
-            </a:endParaRPr>
-          </a:p>
-          <a:p>
-            <a:pPr indent="0" lvl="0" marL="0" rtl="0" algn="l">
-              <a:spcBef>
-                <a:spcPts val="0"/>
-              </a:spcBef>
-              <a:spcAft>
-                <a:spcPts val="0"/>
-              </a:spcAft>
-              <a:buNone/>
-            </a:pPr>
-            <a:r>
-              <a:t/>
-            </a:r>
-            <a:endParaRPr sz="1800">
-              <a:latin typeface="Roboto"/>
-              <a:ea typeface="Roboto"/>
-              <a:cs typeface="Roboto"/>
-              <a:sym typeface="Roboto"/>
-            </a:endParaRPr>
-          </a:p>
-          <a:p>
-            <a:pPr indent="0" lvl="0" marL="0" rtl="0" algn="l">
-              <a:spcBef>
-                <a:spcPts val="0"/>
-              </a:spcBef>
-              <a:spcAft>
-                <a:spcPts val="0"/>
-              </a:spcAft>
-              <a:buNone/>
-            </a:pPr>
-            <a:r>
-              <a:rPr lang="es">
-                <a:solidFill>
-                  <a:srgbClr val="474747"/>
-                </a:solidFill>
-                <a:latin typeface="Roboto"/>
-                <a:ea typeface="Roboto"/>
-                <a:cs typeface="Roboto"/>
-                <a:sym typeface="Roboto"/>
-              </a:rPr>
-              <a:t>*Enjuagar: cuándo se usa un Stream (flujo), a veces se queda información en la clase que está manejando el stream, al “enjuagarlo”, obligas a que pase todo.</a:t>
-            </a:r>
-            <a:endParaRPr>
-              <a:solidFill>
-                <a:srgbClr val="474747"/>
-              </a:solidFill>
-              <a:latin typeface="Roboto"/>
-              <a:ea typeface="Roboto"/>
-              <a:cs typeface="Roboto"/>
-              <a:sym typeface="Roboto"/>
-            </a:endParaRPr>
-          </a:p>
-          <a:p>
-            <a:pPr indent="0" lvl="0" marL="0" rtl="0" algn="l">
-              <a:spcBef>
-                <a:spcPts val="0"/>
-              </a:spcBef>
-              <a:spcAft>
-                <a:spcPts val="0"/>
-              </a:spcAft>
-              <a:buNone/>
-            </a:pPr>
-            <a:r>
-              <a:t/>
-            </a:r>
-            <a:endParaRPr b="1" sz="2400">
-              <a:solidFill>
-                <a:schemeClr val="dk1"/>
-              </a:solidFill>
-              <a:latin typeface="Roboto"/>
-              <a:ea typeface="Roboto"/>
-              <a:cs typeface="Roboto"/>
-              <a:sym typeface="Roboto"/>
-            </a:endParaRPr>
-          </a:p>
-        </p:txBody>
-      </p:sp>
-    </p:spTree>
-  </p:cSld>
-  <p:clrMapOvr>
-    <a:masterClrMapping/>
-  </p:clrMapOvr>
-</p:sld>
-</file>
-
-<file path=ppt/slides/slide11.xml><?xml version="1.0" encoding="utf-8"?>
-<p:sld xmlns:a="http://schemas.openxmlformats.org/drawingml/2006/main" xmlns:r="http://schemas.openxmlformats.org/officeDocument/2006/relationships" xmlns:mc="http://schemas.openxmlformats.org/markup-compatibility/2006" xmlns:mv="urn:schemas-microsoft-com:mac:vml" xmlns:p="http://schemas.openxmlformats.org/presentationml/2006/main" xmlns:c="http://schemas.openxmlformats.org/drawingml/2006/chart" xmlns:dgm="http://schemas.openxmlformats.org/drawingml/2006/diagram" xmlns:o="urn:schemas-microsoft-com:office:office" xmlns:v="urn:schemas-microsoft-com:vml" xmlns:pvml="urn:schemas-microsoft-com:office:powerpoint" xmlns:com="http://schemas.openxmlformats.org/drawingml/2006/compatibility" xmlns:p14="http://schemas.microsoft.com/office/powerpoint/2010/main" xmlns:p15="http://schemas.microsoft.com/office/powerpoint/2012/main">
-  <p:cSld>
-    <p:spTree>
-      <p:nvGrpSpPr>
-        <p:cNvPr id="124" name="Shape 124"/>
-        <p:cNvGrpSpPr/>
-        <p:nvPr/>
-      </p:nvGrpSpPr>
-      <p:grpSpPr>
-        <a:xfrm>
-          <a:off x="0" y="0"/>
-          <a:ext cx="0" cy="0"/>
-          <a:chOff x="0" y="0"/>
-          <a:chExt cx="0" cy="0"/>
-        </a:xfrm>
-      </p:grpSpPr>
-      <p:sp>
-        <p:nvSpPr>
-          <p:cNvPr id="125" name="Google Shape;125;p23"/>
-          <p:cNvSpPr txBox="1"/>
-          <p:nvPr>
-            <p:ph type="title"/>
-          </p:nvPr>
-        </p:nvSpPr>
-        <p:spPr>
-          <a:xfrm>
-            <a:off x="311725" y="500925"/>
-            <a:ext cx="8520600" cy="623700"/>
-          </a:xfrm>
-          <a:prstGeom prst="rect">
-            <a:avLst/>
-          </a:prstGeom>
-        </p:spPr>
-        <p:txBody>
-          <a:bodyPr anchorCtr="0" anchor="t" bIns="91425" lIns="91425" spcFirstLastPara="1" rIns="91425" wrap="square" tIns="91425">
-            <a:noAutofit/>
-          </a:bodyPr>
-          <a:lstStyle/>
-          <a:p>
-            <a:pPr indent="0" lvl="0" marL="0" rtl="0" algn="l">
-              <a:spcBef>
-                <a:spcPts val="0"/>
-              </a:spcBef>
-              <a:spcAft>
-                <a:spcPts val="0"/>
-              </a:spcAft>
-              <a:buNone/>
-            </a:pPr>
-            <a:r>
-              <a:rPr lang="es"/>
-              <a:t>OutputStreamWriter. Métodos</a:t>
-            </a:r>
-            <a:endParaRPr/>
-          </a:p>
-        </p:txBody>
-      </p:sp>
-      <p:sp>
-        <p:nvSpPr>
-          <p:cNvPr id="126" name="Google Shape;126;p23"/>
-          <p:cNvSpPr txBox="1"/>
-          <p:nvPr/>
-        </p:nvSpPr>
-        <p:spPr>
-          <a:xfrm>
-            <a:off x="311725" y="1450100"/>
-            <a:ext cx="8630400" cy="3358800"/>
-          </a:xfrm>
-          <a:prstGeom prst="rect">
-            <a:avLst/>
-          </a:prstGeom>
-          <a:noFill/>
-          <a:ln>
-            <a:noFill/>
-          </a:ln>
-        </p:spPr>
-        <p:txBody>
-          <a:bodyPr anchorCtr="0" anchor="t" bIns="91425" lIns="91425" spcFirstLastPara="1" rIns="91425" wrap="square" tIns="91425">
-            <a:noAutofit/>
-          </a:bodyPr>
-          <a:lstStyle/>
-          <a:p>
-            <a:pPr indent="0" lvl="0" marL="0" rtl="0" algn="l">
-              <a:spcBef>
-                <a:spcPts val="0"/>
-              </a:spcBef>
-              <a:spcAft>
-                <a:spcPts val="0"/>
-              </a:spcAft>
-              <a:buNone/>
-            </a:pPr>
-            <a:r>
-              <a:rPr b="1" lang="es" sz="2200">
-                <a:solidFill>
-                  <a:schemeClr val="dk1"/>
-                </a:solidFill>
-                <a:latin typeface="Roboto"/>
-                <a:ea typeface="Roboto"/>
-                <a:cs typeface="Roboto"/>
-                <a:sym typeface="Roboto"/>
-              </a:rPr>
-              <a:t>write(int c)</a:t>
-            </a:r>
-            <a:endParaRPr b="1" sz="2200">
-              <a:solidFill>
-                <a:schemeClr val="dk1"/>
-              </a:solidFill>
-              <a:latin typeface="Roboto"/>
-              <a:ea typeface="Roboto"/>
-              <a:cs typeface="Roboto"/>
-              <a:sym typeface="Roboto"/>
-            </a:endParaRPr>
-          </a:p>
-          <a:p>
-            <a:pPr indent="-342900" lvl="0" marL="457200" rtl="0" algn="l">
-              <a:spcBef>
-                <a:spcPts val="0"/>
-              </a:spcBef>
-              <a:spcAft>
-                <a:spcPts val="0"/>
-              </a:spcAft>
-              <a:buSzPts val="1800"/>
-              <a:buFont typeface="Roboto"/>
-              <a:buChar char="-"/>
-            </a:pPr>
-            <a:r>
-              <a:rPr lang="es" sz="1800">
-                <a:latin typeface="Roboto"/>
-                <a:ea typeface="Roboto"/>
-                <a:cs typeface="Roboto"/>
-                <a:sym typeface="Roboto"/>
-              </a:rPr>
-              <a:t>Escribe un carácter.</a:t>
-            </a:r>
-            <a:endParaRPr sz="1800">
-              <a:latin typeface="Roboto"/>
-              <a:ea typeface="Roboto"/>
-              <a:cs typeface="Roboto"/>
-              <a:sym typeface="Roboto"/>
-            </a:endParaRPr>
-          </a:p>
-          <a:p>
-            <a:pPr indent="-342900" lvl="0" marL="457200" rtl="0" algn="l">
-              <a:spcBef>
-                <a:spcPts val="0"/>
-              </a:spcBef>
-              <a:spcAft>
-                <a:spcPts val="0"/>
-              </a:spcAft>
-              <a:buSzPts val="1800"/>
-              <a:buFont typeface="Roboto"/>
-              <a:buChar char="-"/>
-            </a:pPr>
-            <a:r>
-              <a:rPr lang="es" sz="1800">
-                <a:latin typeface="Roboto"/>
-                <a:ea typeface="Roboto"/>
-                <a:cs typeface="Roboto"/>
-                <a:sym typeface="Roboto"/>
-              </a:rPr>
-              <a:t>c: un entero especificando el carácter a escribir.</a:t>
-            </a:r>
-            <a:endParaRPr sz="1800">
-              <a:latin typeface="Roboto"/>
-              <a:ea typeface="Roboto"/>
-              <a:cs typeface="Roboto"/>
-              <a:sym typeface="Roboto"/>
-            </a:endParaRPr>
-          </a:p>
-          <a:p>
-            <a:pPr indent="-342900" lvl="0" marL="457200" rtl="0" algn="l">
-              <a:spcBef>
-                <a:spcPts val="0"/>
-              </a:spcBef>
-              <a:spcAft>
-                <a:spcPts val="0"/>
-              </a:spcAft>
-              <a:buSzPts val="1800"/>
-              <a:buFont typeface="Roboto"/>
-              <a:buChar char="-"/>
-            </a:pPr>
-            <a:r>
-              <a:rPr lang="es" sz="1800">
-                <a:latin typeface="Roboto"/>
-                <a:ea typeface="Roboto"/>
-                <a:cs typeface="Roboto"/>
-                <a:sym typeface="Roboto"/>
-              </a:rPr>
-              <a:t>Lanza IOException si ocurre algún error de entrada/salida.</a:t>
-            </a:r>
-            <a:endParaRPr sz="1800">
-              <a:latin typeface="Roboto"/>
-              <a:ea typeface="Roboto"/>
-              <a:cs typeface="Roboto"/>
-              <a:sym typeface="Roboto"/>
-            </a:endParaRPr>
-          </a:p>
-          <a:p>
-            <a:pPr indent="0" lvl="0" marL="0" rtl="0" algn="l">
-              <a:spcBef>
-                <a:spcPts val="0"/>
-              </a:spcBef>
-              <a:spcAft>
-                <a:spcPts val="0"/>
-              </a:spcAft>
-              <a:buNone/>
-            </a:pPr>
-            <a:r>
-              <a:t/>
-            </a:r>
-            <a:endParaRPr>
-              <a:latin typeface="Roboto"/>
-              <a:ea typeface="Roboto"/>
-              <a:cs typeface="Roboto"/>
-              <a:sym typeface="Roboto"/>
-            </a:endParaRPr>
-          </a:p>
-          <a:p>
-            <a:pPr indent="0" lvl="0" marL="0" rtl="0" algn="l">
-              <a:spcBef>
-                <a:spcPts val="0"/>
-              </a:spcBef>
-              <a:spcAft>
-                <a:spcPts val="0"/>
-              </a:spcAft>
-              <a:buNone/>
-            </a:pPr>
-            <a:r>
-              <a:rPr b="1" lang="es" sz="2200">
-                <a:solidFill>
-                  <a:schemeClr val="dk1"/>
-                </a:solidFill>
-                <a:latin typeface="Roboto"/>
-                <a:ea typeface="Roboto"/>
-                <a:cs typeface="Roboto"/>
-                <a:sym typeface="Roboto"/>
-              </a:rPr>
-              <a:t>write(char[] cbuf, int off, int length)</a:t>
-            </a:r>
-            <a:endParaRPr b="1" sz="2200">
-              <a:solidFill>
-                <a:schemeClr val="dk1"/>
-              </a:solidFill>
-              <a:latin typeface="Roboto"/>
-              <a:ea typeface="Roboto"/>
-              <a:cs typeface="Roboto"/>
-              <a:sym typeface="Roboto"/>
-            </a:endParaRPr>
-          </a:p>
-          <a:p>
-            <a:pPr indent="-342900" lvl="0" marL="457200" rtl="0" algn="l">
-              <a:spcBef>
-                <a:spcPts val="0"/>
-              </a:spcBef>
-              <a:spcAft>
-                <a:spcPts val="0"/>
-              </a:spcAft>
-              <a:buSzPts val="1800"/>
-              <a:buFont typeface="Roboto"/>
-              <a:buChar char="-"/>
-            </a:pPr>
-            <a:r>
-              <a:rPr lang="es" sz="1800">
-                <a:latin typeface="Roboto"/>
-                <a:ea typeface="Roboto"/>
-                <a:cs typeface="Roboto"/>
-                <a:sym typeface="Roboto"/>
-              </a:rPr>
-              <a:t>Escribe una porción de un array de caracteres</a:t>
-            </a:r>
-            <a:endParaRPr sz="1800">
-              <a:latin typeface="Roboto"/>
-              <a:ea typeface="Roboto"/>
-              <a:cs typeface="Roboto"/>
-              <a:sym typeface="Roboto"/>
-            </a:endParaRPr>
-          </a:p>
-          <a:p>
-            <a:pPr indent="-342900" lvl="0" marL="457200" rtl="0" algn="l">
-              <a:spcBef>
-                <a:spcPts val="0"/>
-              </a:spcBef>
-              <a:spcAft>
-                <a:spcPts val="0"/>
-              </a:spcAft>
-              <a:buSzPts val="1800"/>
-              <a:buFont typeface="Roboto"/>
-              <a:buChar char="-"/>
-            </a:pPr>
-            <a:r>
-              <a:rPr lang="es" sz="1800">
-                <a:latin typeface="Roboto"/>
-                <a:ea typeface="Roboto"/>
-                <a:cs typeface="Roboto"/>
-                <a:sym typeface="Roboto"/>
-              </a:rPr>
-              <a:t>Lanza IOException si ocurre algún error de entrada/salida.</a:t>
-            </a:r>
-            <a:endParaRPr sz="1800">
-              <a:latin typeface="Roboto"/>
-              <a:ea typeface="Roboto"/>
-              <a:cs typeface="Roboto"/>
-              <a:sym typeface="Roboto"/>
-            </a:endParaRPr>
-          </a:p>
-          <a:p>
-            <a:pPr indent="0" lvl="0" marL="0" rtl="0" algn="l">
-              <a:spcBef>
-                <a:spcPts val="0"/>
-              </a:spcBef>
-              <a:spcAft>
-                <a:spcPts val="0"/>
-              </a:spcAft>
-              <a:buNone/>
-            </a:pPr>
-            <a:r>
-              <a:t/>
-            </a:r>
-            <a:endParaRPr sz="1800">
-              <a:latin typeface="Roboto"/>
-              <a:ea typeface="Roboto"/>
-              <a:cs typeface="Roboto"/>
-              <a:sym typeface="Roboto"/>
-            </a:endParaRPr>
-          </a:p>
-          <a:p>
-            <a:pPr indent="0" lvl="0" marL="0" rtl="0" algn="l">
-              <a:spcBef>
-                <a:spcPts val="0"/>
-              </a:spcBef>
-              <a:spcAft>
-                <a:spcPts val="0"/>
-              </a:spcAft>
-              <a:buNone/>
-            </a:pPr>
-            <a:r>
-              <a:rPr b="1" lang="es" sz="2200">
-                <a:solidFill>
-                  <a:schemeClr val="dk1"/>
-                </a:solidFill>
-                <a:latin typeface="Roboto"/>
-                <a:ea typeface="Roboto"/>
-                <a:cs typeface="Roboto"/>
-                <a:sym typeface="Roboto"/>
-              </a:rPr>
-              <a:t>write(String str, int off, int length)</a:t>
-            </a:r>
-            <a:endParaRPr b="1" sz="2200">
-              <a:solidFill>
-                <a:schemeClr val="dk1"/>
-              </a:solidFill>
-              <a:latin typeface="Roboto"/>
-              <a:ea typeface="Roboto"/>
-              <a:cs typeface="Roboto"/>
-              <a:sym typeface="Roboto"/>
-            </a:endParaRPr>
-          </a:p>
-          <a:p>
-            <a:pPr indent="-342900" lvl="0" marL="457200" rtl="0" algn="l">
-              <a:spcBef>
-                <a:spcPts val="0"/>
-              </a:spcBef>
-              <a:spcAft>
-                <a:spcPts val="0"/>
-              </a:spcAft>
-              <a:buSzPts val="1800"/>
-              <a:buFont typeface="Roboto"/>
-              <a:buChar char="-"/>
-            </a:pPr>
-            <a:r>
-              <a:rPr lang="es" sz="1800">
-                <a:latin typeface="Roboto"/>
-                <a:ea typeface="Roboto"/>
-                <a:cs typeface="Roboto"/>
-                <a:sym typeface="Roboto"/>
-              </a:rPr>
-              <a:t>Escribe una porción de un String</a:t>
-            </a:r>
-            <a:endParaRPr sz="1800">
-              <a:latin typeface="Roboto"/>
-              <a:ea typeface="Roboto"/>
-              <a:cs typeface="Roboto"/>
-              <a:sym typeface="Roboto"/>
-            </a:endParaRPr>
-          </a:p>
-          <a:p>
-            <a:pPr indent="-342900" lvl="0" marL="457200" rtl="0" algn="l">
-              <a:spcBef>
-                <a:spcPts val="0"/>
-              </a:spcBef>
-              <a:spcAft>
-                <a:spcPts val="0"/>
-              </a:spcAft>
-              <a:buSzPts val="1800"/>
-              <a:buFont typeface="Roboto"/>
-              <a:buChar char="-"/>
-            </a:pPr>
-            <a:r>
-              <a:rPr lang="es" sz="1800">
-                <a:latin typeface="Roboto"/>
-                <a:ea typeface="Roboto"/>
-                <a:cs typeface="Roboto"/>
-                <a:sym typeface="Roboto"/>
-              </a:rPr>
-              <a:t>Lanza IOException si ocurre algún error de entrada/salida.</a:t>
-            </a:r>
-            <a:endParaRPr sz="1800">
-              <a:latin typeface="Roboto"/>
-              <a:ea typeface="Roboto"/>
-              <a:cs typeface="Roboto"/>
-              <a:sym typeface="Roboto"/>
-            </a:endParaRPr>
-          </a:p>
-          <a:p>
-            <a:pPr indent="0" lvl="0" marL="0" rtl="0" algn="l">
-              <a:spcBef>
-                <a:spcPts val="0"/>
-              </a:spcBef>
-              <a:spcAft>
-                <a:spcPts val="0"/>
-              </a:spcAft>
-              <a:buNone/>
-            </a:pPr>
-            <a:r>
-              <a:t/>
-            </a:r>
-            <a:endParaRPr sz="1800">
-              <a:latin typeface="Roboto"/>
-              <a:ea typeface="Roboto"/>
-              <a:cs typeface="Roboto"/>
-              <a:sym typeface="Roboto"/>
-            </a:endParaRPr>
-          </a:p>
-          <a:p>
-            <a:pPr indent="0" lvl="0" marL="0" rtl="0" algn="l">
-              <a:spcBef>
-                <a:spcPts val="0"/>
-              </a:spcBef>
-              <a:spcAft>
-                <a:spcPts val="0"/>
-              </a:spcAft>
-              <a:buNone/>
-            </a:pPr>
-            <a:r>
-              <a:t/>
-            </a:r>
-            <a:endParaRPr b="1" sz="2400">
-              <a:solidFill>
-                <a:schemeClr val="dk1"/>
-              </a:solidFill>
               <a:latin typeface="Roboto"/>
               <a:ea typeface="Roboto"/>
               <a:cs typeface="Roboto"/>
@@ -8956,7 +7867,62 @@
                 <a:cs typeface="Roboto"/>
                 <a:sym typeface="Roboto"/>
               </a:rPr>
-              <a:t>Se trata de una Class de Java que sirve como “puente”. Lee bytes y los decodifica en caracteres</a:t>
+              <a:t>Se trata de una Class de Java que sirve como “puente”. Lee bytes y los descodifica en caracteres.</a:t>
+            </a:r>
+            <a:endParaRPr b="1" sz="2400">
+              <a:solidFill>
+                <a:schemeClr val="dk1"/>
+              </a:solidFill>
+              <a:latin typeface="Roboto"/>
+              <a:ea typeface="Roboto"/>
+              <a:cs typeface="Roboto"/>
+              <a:sym typeface="Roboto"/>
+            </a:endParaRPr>
+          </a:p>
+          <a:p>
+            <a:pPr indent="0" lvl="0" marL="0" rtl="0" algn="l">
+              <a:spcBef>
+                <a:spcPts val="0"/>
+              </a:spcBef>
+              <a:spcAft>
+                <a:spcPts val="0"/>
+              </a:spcAft>
+              <a:buNone/>
+            </a:pPr>
+            <a:r>
+              <a:t/>
+            </a:r>
+            <a:endParaRPr b="1" sz="2400">
+              <a:solidFill>
+                <a:schemeClr val="dk1"/>
+              </a:solidFill>
+              <a:latin typeface="Roboto"/>
+              <a:ea typeface="Roboto"/>
+              <a:cs typeface="Roboto"/>
+              <a:sym typeface="Roboto"/>
+            </a:endParaRPr>
+          </a:p>
+          <a:p>
+            <a:pPr indent="0" lvl="0" marL="0" rtl="0" algn="l">
+              <a:spcBef>
+                <a:spcPts val="0"/>
+              </a:spcBef>
+              <a:spcAft>
+                <a:spcPts val="0"/>
+              </a:spcAft>
+              <a:buNone/>
+            </a:pPr>
+            <a:r>
+              <a:rPr b="1" lang="es" sz="2400">
+                <a:solidFill>
+                  <a:schemeClr val="dk1"/>
+                </a:solidFill>
+                <a:latin typeface="Roboto"/>
+                <a:ea typeface="Roboto"/>
+                <a:cs typeface="Roboto"/>
+                <a:sym typeface="Roboto"/>
+              </a:rPr>
+              <a:t>Paquete java.io.InputStreamReader</a:t>
             </a:r>
             <a:endParaRPr b="1" sz="2400">
               <a:solidFill>
@@ -9025,6 +7991,34 @@
           </a:p>
         </p:txBody>
       </p:sp>
+      <p:pic>
+        <p:nvPicPr>
+          <p:cNvPr id="73" name="Google Shape;73;p14"/>
+          <p:cNvPicPr preferRelativeResize="0"/>
+          <p:nvPr/>
+        </p:nvPicPr>
+        <p:blipFill>
+          <a:blip r:embed="rId3">
+            <a:alphaModFix/>
+          </a:blip>
+          <a:stretch>
+            <a:fillRect/>
+          </a:stretch>
+        </p:blipFill>
+        <p:spPr>
+          <a:xfrm>
+            <a:off x="5414800" y="2330900"/>
+            <a:ext cx="3831100" cy="1025525"/>
+          </a:xfrm>
+          <a:prstGeom prst="rect">
+            <a:avLst/>
+          </a:prstGeom>
+          <a:noFill/>
+          <a:ln>
+            <a:noFill/>
+          </a:ln>
+        </p:spPr>
+      </p:pic>
     </p:spTree>
   </p:cSld>
   <p:clrMapOvr>
@@ -9038,7 +8032,7 @@
   <p:cSld>
     <p:spTree>
       <p:nvGrpSpPr>
-        <p:cNvPr id="76" name="Shape 76"/>
+        <p:cNvPr id="77" name="Shape 77"/>
         <p:cNvGrpSpPr/>
         <p:nvPr/>
       </p:nvGrpSpPr>
@@ -9052,7 +8046,7 @@
       </p:grpSpPr>
       <p:sp>
         <p:nvSpPr>
-          <p:cNvPr id="77" name="Google Shape;77;p15"/>
+          <p:cNvPr id="78" name="Google Shape;78;p15"/>
           <p:cNvSpPr txBox="1"/>
           <p:nvPr>
             <p:ph type="title"/>
@@ -9084,7 +8078,7 @@
             </a:pPr>
             <a:r>
               <a:rPr lang="es"/>
-              <a:t>InputStreamReader. Constructor</a:t>
+              <a:t>InputStreamReader. Constructores</a:t>
             </a:r>
             <a:endParaRPr/>
           </a:p>
@@ -9092,7 +8086,7 @@
       </p:sp>
       <p:sp>
         <p:nvSpPr>
-          <p:cNvPr id="78" name="Google Shape;78;p15"/>
+          <p:cNvPr id="79" name="Google Shape;79;p15"/>
           <p:cNvSpPr txBox="1"/>
           <p:nvPr/>
         </p:nvSpPr>
@@ -9134,7 +8128,7 @@
                 <a:cs typeface="Roboto"/>
                 <a:sym typeface="Roboto"/>
               </a:rPr>
-              <a:t>El constructor que usaremos será:</a:t>
+              <a:t>InputStreamReader(InputStream in)</a:t>
             </a:r>
             <a:endParaRPr b="1" sz="2400">
               <a:solidFill>
@@ -9189,7 +8183,7 @@
                 <a:cs typeface="Roboto"/>
                 <a:sym typeface="Roboto"/>
               </a:rPr>
-              <a:t>InputStreamReader(InputStream entrada)</a:t>
+              <a:t>InputStreamReader(InputStream in, Charset cs)</a:t>
             </a:r>
             <a:endParaRPr b="1" sz="2400">
               <a:solidFill>
@@ -9244,7 +8238,62 @@
                 <a:cs typeface="Roboto"/>
                 <a:sym typeface="Roboto"/>
               </a:rPr>
-              <a:t>Los otros constructores nos permiten elegir el charset en el que se descodificarán los caracteres, pero con el charset por defecto nos vale.</a:t>
+              <a:t>InputStreamReader(InputStream in, CharsetDecoder dec)</a:t>
+            </a:r>
+            <a:endParaRPr b="1" sz="2400">
+              <a:solidFill>
+                <a:schemeClr val="dk1"/>
+              </a:solidFill>
+              <a:latin typeface="Roboto"/>
+              <a:ea typeface="Roboto"/>
+              <a:cs typeface="Roboto"/>
+              <a:sym typeface="Roboto"/>
+            </a:endParaRPr>
+          </a:p>
+          <a:p>
+            <a:pPr indent="0" lvl="0" marL="0" rtl="0" algn="l">
+              <a:spcBef>
+                <a:spcPts val="0"/>
+              </a:spcBef>
+              <a:spcAft>
+                <a:spcPts val="0"/>
+              </a:spcAft>
+              <a:buNone/>
+            </a:pPr>
+            <a:r>
+              <a:t/>
+            </a:r>
+            <a:endParaRPr b="1" sz="2400">
+              <a:solidFill>
+                <a:schemeClr val="dk1"/>
+              </a:solidFill>
+              <a:latin typeface="Roboto"/>
+              <a:ea typeface="Roboto"/>
+              <a:cs typeface="Roboto"/>
+              <a:sym typeface="Roboto"/>
+            </a:endParaRPr>
+          </a:p>
+          <a:p>
+            <a:pPr indent="0" lvl="0" marL="0" rtl="0" algn="l">
+              <a:spcBef>
+                <a:spcPts val="0"/>
+              </a:spcBef>
+              <a:spcAft>
+                <a:spcPts val="0"/>
+              </a:spcAft>
+              <a:buNone/>
+            </a:pPr>
+            <a:r>
+              <a:rPr b="1" lang="es" sz="2400">
+                <a:solidFill>
+                  <a:schemeClr val="dk1"/>
+                </a:solidFill>
+                <a:latin typeface="Roboto"/>
+                <a:ea typeface="Roboto"/>
+                <a:cs typeface="Roboto"/>
+                <a:sym typeface="Roboto"/>
+              </a:rPr>
+              <a:t>InputStreamReader(InputStream in, String charsetName)</a:t>
             </a:r>
             <a:endParaRPr b="1" sz="2400">
               <a:solidFill>
@@ -9271,7 +8320,7 @@
   <p:cSld>
     <p:spTree>
       <p:nvGrpSpPr>
-        <p:cNvPr id="82" name="Shape 82"/>
+        <p:cNvPr id="83" name="Shape 83"/>
         <p:cNvGrpSpPr/>
         <p:nvPr/>
       </p:nvGrpSpPr>
@@ -9285,7 +8334,7 @@
       </p:grpSpPr>
       <p:sp>
         <p:nvSpPr>
-          <p:cNvPr id="83" name="Google Shape;83;p16"/>
+          <p:cNvPr id="84" name="Google Shape;84;p16"/>
           <p:cNvSpPr txBox="1"/>
           <p:nvPr>
             <p:ph type="title"/>
@@ -9317,7 +8366,7 @@
             </a:pPr>
             <a:r>
               <a:rPr lang="es"/>
-              <a:t>InputStream y FileInputStream</a:t>
+              <a:t>InputStreamReader. Métodos</a:t>
             </a:r>
             <a:endParaRPr/>
           </a:p>
@@ -9325,7 +8374,7 @@
       </p:sp>
       <p:sp>
         <p:nvSpPr>
-          <p:cNvPr id="84" name="Google Shape;84;p16"/>
+          <p:cNvPr id="85" name="Google Shape;85;p16"/>
           <p:cNvSpPr txBox="1"/>
           <p:nvPr/>
         </p:nvSpPr>
@@ -9367,263 +8416,7 @@
                 <a:cs typeface="Roboto"/>
                 <a:sym typeface="Roboto"/>
               </a:rPr>
-              <a:t>InputStream es un flujo de entrada de datos. Por ejemplo, System.in(entrada estándar, normalmente el teclado), es un InputStream.</a:t>
-            </a:r>
-            <a:endParaRPr b="1" sz="2200">
-              <a:solidFill>
-                <a:schemeClr val="dk1"/>
-              </a:solidFill>
-              <a:latin typeface="Roboto"/>
-              <a:ea typeface="Roboto"/>
-              <a:cs typeface="Roboto"/>
-              <a:sym typeface="Roboto"/>
-            </a:endParaRPr>
-          </a:p>
-          <a:p>
-            <a:pPr indent="0" lvl="0" marL="0" rtl="0" algn="l">
-              <a:spcBef>
-                <a:spcPts val="0"/>
-              </a:spcBef>
-              <a:spcAft>
-                <a:spcPts val="0"/>
-              </a:spcAft>
-              <a:buNone/>
-            </a:pPr>
-            <a:r>
-              <a:t/>
-            </a:r>
-            <a:endParaRPr b="1" sz="2200">
-              <a:solidFill>
-                <a:schemeClr val="dk1"/>
-              </a:solidFill>
-              <a:latin typeface="Roboto"/>
-              <a:ea typeface="Roboto"/>
-              <a:cs typeface="Roboto"/>
-              <a:sym typeface="Roboto"/>
-            </a:endParaRPr>
-          </a:p>
-          <a:p>
-            <a:pPr indent="0" lvl="0" marL="0" rtl="0" algn="l">
-              <a:spcBef>
-                <a:spcPts val="0"/>
-              </a:spcBef>
-              <a:spcAft>
-                <a:spcPts val="0"/>
-              </a:spcAft>
-              <a:buNone/>
-            </a:pPr>
-            <a:r>
-              <a:rPr b="1" lang="es" sz="2200">
-                <a:solidFill>
-                  <a:schemeClr val="dk1"/>
-                </a:solidFill>
-                <a:latin typeface="Roboto"/>
-                <a:ea typeface="Roboto"/>
-                <a:cs typeface="Roboto"/>
-                <a:sym typeface="Roboto"/>
-              </a:rPr>
-              <a:t>FileInputStream es una clase hija de InputStream, y obtiene bytes de un archivo.</a:t>
-            </a:r>
-            <a:endParaRPr b="1" sz="2200">
-              <a:solidFill>
-                <a:schemeClr val="dk1"/>
-              </a:solidFill>
-              <a:latin typeface="Roboto"/>
-              <a:ea typeface="Roboto"/>
-              <a:cs typeface="Roboto"/>
-              <a:sym typeface="Roboto"/>
-            </a:endParaRPr>
-          </a:p>
-          <a:p>
-            <a:pPr indent="0" lvl="0" marL="0" rtl="0" algn="l">
-              <a:spcBef>
-                <a:spcPts val="0"/>
-              </a:spcBef>
-              <a:spcAft>
-                <a:spcPts val="0"/>
-              </a:spcAft>
-              <a:buNone/>
-            </a:pPr>
-            <a:r>
-              <a:t/>
-            </a:r>
-            <a:endParaRPr b="1" sz="1800">
-              <a:solidFill>
-                <a:schemeClr val="dk1"/>
-              </a:solidFill>
-              <a:latin typeface="Roboto"/>
-              <a:ea typeface="Roboto"/>
-              <a:cs typeface="Roboto"/>
-              <a:sym typeface="Roboto"/>
-            </a:endParaRPr>
-          </a:p>
-          <a:p>
-            <a:pPr indent="0" lvl="0" marL="0" rtl="0" algn="l">
-              <a:spcBef>
-                <a:spcPts val="0"/>
-              </a:spcBef>
-              <a:spcAft>
-                <a:spcPts val="0"/>
-              </a:spcAft>
-              <a:buNone/>
-            </a:pPr>
-            <a:r>
-              <a:t/>
-            </a:r>
-            <a:endParaRPr b="1" sz="1800">
-              <a:solidFill>
-                <a:schemeClr val="dk1"/>
-              </a:solidFill>
-              <a:latin typeface="Roboto"/>
-              <a:ea typeface="Roboto"/>
-              <a:cs typeface="Roboto"/>
-              <a:sym typeface="Roboto"/>
-            </a:endParaRPr>
-          </a:p>
-          <a:p>
-            <a:pPr indent="0" lvl="0" marL="0" rtl="0" algn="l">
-              <a:spcBef>
-                <a:spcPts val="0"/>
-              </a:spcBef>
-              <a:spcAft>
-                <a:spcPts val="0"/>
-              </a:spcAft>
-              <a:buNone/>
-            </a:pPr>
-            <a:r>
-              <a:rPr b="1" lang="es" sz="1800">
-                <a:solidFill>
-                  <a:schemeClr val="dk2"/>
-                </a:solidFill>
-                <a:latin typeface="Roboto"/>
-                <a:ea typeface="Roboto"/>
-                <a:cs typeface="Roboto"/>
-                <a:sym typeface="Roboto"/>
-              </a:rPr>
-              <a:t>Nota: FileInputStream está pensada para leer flujos de bytes “puros” como imágenes. Para leer flujos de caracteres, se aconseja usar FileReader.</a:t>
-            </a:r>
-            <a:endParaRPr b="1" sz="1800">
-              <a:solidFill>
-                <a:schemeClr val="dk2"/>
-              </a:solidFill>
-              <a:latin typeface="Roboto"/>
-              <a:ea typeface="Roboto"/>
-              <a:cs typeface="Roboto"/>
-              <a:sym typeface="Roboto"/>
-            </a:endParaRPr>
-          </a:p>
-        </p:txBody>
-      </p:sp>
-    </p:spTree>
-  </p:cSld>
-  <p:clrMapOvr>
-    <a:masterClrMapping/>
-  </p:clrMapOvr>
-</p:sld>
-</file>
-
-<file path=ppt/slides/slide5.xml><?xml version="1.0" encoding="utf-8"?>
-<p:sld xmlns:a="http://schemas.openxmlformats.org/drawingml/2006/main" xmlns:r="http://schemas.openxmlformats.org/officeDocument/2006/relationships" xmlns:mc="http://schemas.openxmlformats.org/markup-compatibility/2006" xmlns:mv="urn:schemas-microsoft-com:mac:vml" xmlns:p="http://schemas.openxmlformats.org/presentationml/2006/main" xmlns:c="http://schemas.openxmlformats.org/drawingml/2006/chart" xmlns:dgm="http://schemas.openxmlformats.org/drawingml/2006/diagram" xmlns:o="urn:schemas-microsoft-com:office:office" xmlns:v="urn:schemas-microsoft-com:vml" xmlns:pvml="urn:schemas-microsoft-com:office:powerpoint" xmlns:com="http://schemas.openxmlformats.org/drawingml/2006/compatibility" xmlns:p14="http://schemas.microsoft.com/office/powerpoint/2010/main" xmlns:p15="http://schemas.microsoft.com/office/powerpoint/2012/main">
-  <p:cSld>
-    <p:spTree>
-      <p:nvGrpSpPr>
-        <p:cNvPr id="88" name="Shape 88"/>
-        <p:cNvGrpSpPr/>
-        <p:nvPr/>
-      </p:nvGrpSpPr>
-      <p:grpSpPr>
-        <a:xfrm>
-          <a:off x="0" y="0"/>
-          <a:ext cx="0" cy="0"/>
-          <a:chOff x="0" y="0"/>
-          <a:chExt cx="0" cy="0"/>
-        </a:xfrm>
-      </p:grpSpPr>
-      <p:sp>
-        <p:nvSpPr>
-          <p:cNvPr id="89" name="Google Shape;89;p17"/>
-          <p:cNvSpPr txBox="1"/>
-          <p:nvPr>
-            <p:ph type="title"/>
-          </p:nvPr>
-        </p:nvSpPr>
-        <p:spPr>
-          <a:xfrm>
-            <a:off x="311725" y="500925"/>
-            <a:ext cx="8520600" cy="623700"/>
-          </a:xfrm>
-          <a:prstGeom prst="rect">
-            <a:avLst/>
-          </a:prstGeom>
-        </p:spPr>
-        <p:txBody>
-          <a:bodyPr anchorCtr="0" anchor="t" bIns="91425" lIns="91425" spcFirstLastPara="1" rIns="91425" wrap="square" tIns="91425">
-            <a:noAutofit/>
-          </a:bodyPr>
-          <a:lstStyle/>
-          <a:p>
-            <a:pPr indent="0" lvl="0" marL="0" rtl="0" algn="l">
-              <a:spcBef>
-                <a:spcPts val="0"/>
-              </a:spcBef>
-              <a:spcAft>
-                <a:spcPts val="0"/>
-              </a:spcAft>
-              <a:buNone/>
-            </a:pPr>
-            <a:r>
-              <a:rPr lang="es"/>
-              <a:t>InputStreamReader. Métodos</a:t>
-            </a:r>
-            <a:endParaRPr/>
-          </a:p>
-        </p:txBody>
-      </p:sp>
-      <p:sp>
-        <p:nvSpPr>
-          <p:cNvPr id="90" name="Google Shape;90;p17"/>
-          <p:cNvSpPr txBox="1"/>
-          <p:nvPr/>
-        </p:nvSpPr>
-        <p:spPr>
-          <a:xfrm>
-            <a:off x="311725" y="1474875"/>
-            <a:ext cx="8630400" cy="3358800"/>
-          </a:xfrm>
-          <a:prstGeom prst="rect">
-            <a:avLst/>
-          </a:prstGeom>
-          <a:noFill/>
-          <a:ln>
-            <a:noFill/>
-          </a:ln>
-        </p:spPr>
-        <p:txBody>
-          <a:bodyPr anchorCtr="0" anchor="t" bIns="91425" lIns="91425" spcFirstLastPara="1" rIns="91425" wrap="square" tIns="91425">
-            <a:noAutofit/>
-          </a:bodyPr>
-          <a:lstStyle/>
-          <a:p>
-            <a:pPr indent="0" lvl="0" marL="0" rtl="0" algn="l">
-              <a:spcBef>
-                <a:spcPts val="0"/>
-              </a:spcBef>
-              <a:spcAft>
-                <a:spcPts val="0"/>
-              </a:spcAft>
-              <a:buNone/>
-            </a:pPr>
-            <a:r>
-              <a:rPr b="1" lang="es" sz="2200">
-                <a:solidFill>
-                  <a:schemeClr val="dk1"/>
-                </a:solidFill>
-                <a:latin typeface="Roboto"/>
-                <a:ea typeface="Roboto"/>
-                <a:cs typeface="Roboto"/>
-                <a:sym typeface="Roboto"/>
-              </a:rPr>
-              <a:t>read()</a:t>
+              <a:t>int read()</a:t>
             </a:r>
             <a:endParaRPr b="1" sz="2200">
               <a:solidFill>
@@ -9654,7 +8447,7 @@
                 <a:cs typeface="Roboto"/>
                 <a:sym typeface="Roboto"/>
               </a:rPr>
-              <a:t>Lee un caracter. </a:t>
+              <a:t>Lee un carácter. </a:t>
             </a:r>
             <a:endParaRPr sz="1800">
               <a:latin typeface="Roboto"/>
@@ -9682,7 +8475,7 @@
                 <a:cs typeface="Roboto"/>
                 <a:sym typeface="Roboto"/>
               </a:rPr>
-              <a:t>Devuelve el caracter leído -1 si ha alcanzado el final del flujo. </a:t>
+              <a:t>Devuelve el carácter leído -1 si ha alcanzado el final del flujo. </a:t>
             </a:r>
             <a:endParaRPr sz="1800">
               <a:latin typeface="Roboto"/>
@@ -9768,7 +8561,7 @@
                 <a:cs typeface="Roboto"/>
                 <a:sym typeface="Roboto"/>
               </a:rPr>
-              <a:t>read(char[] cbuff, int desplazamiento, int length)</a:t>
+              <a:t>int read(char[] cbuff, int desplazamiento, int length)</a:t>
             </a:r>
             <a:endParaRPr b="1" sz="2200">
               <a:solidFill>
@@ -9799,7 +8592,7 @@
                 <a:cs typeface="Roboto"/>
                 <a:sym typeface="Roboto"/>
               </a:rPr>
-              <a:t>Lee caracters y los guarda en un array</a:t>
+              <a:t>Lee caracteres y los guarda en un array</a:t>
             </a:r>
             <a:endParaRPr sz="1800">
               <a:latin typeface="Roboto"/>
@@ -9874,12 +8667,12 @@
 </p:sld>
 </file>
 
-<file path=ppt/slides/slide6.xml><?xml version="1.0" encoding="utf-8"?>
+<file path=ppt/slides/slide5.xml><?xml version="1.0" encoding="utf-8"?>
 <p:sld xmlns:a="http://schemas.openxmlformats.org/drawingml/2006/main" xmlns:r="http://schemas.openxmlformats.org/officeDocument/2006/relationships" xmlns:mc="http://schemas.openxmlformats.org/markup-compatibility/2006" xmlns:mv="urn:schemas-microsoft-com:mac:vml" xmlns:p="http://schemas.openxmlformats.org/presentationml/2006/main" xmlns:c="http://schemas.openxmlformats.org/drawingml/2006/chart" xmlns:dgm="http://schemas.openxmlformats.org/drawingml/2006/diagram" xmlns:o="urn:schemas-microsoft-com:office:office" xmlns:v="urn:schemas-microsoft-com:vml" xmlns:pvml="urn:schemas-microsoft-com:office:powerpoint" xmlns:com="http://schemas.openxmlformats.org/drawingml/2006/compatibility" xmlns:p14="http://schemas.microsoft.com/office/powerpoint/2010/main" xmlns:p15="http://schemas.microsoft.com/office/powerpoint/2012/main">
   <p:cSld>
     <p:spTree>
       <p:nvGrpSpPr>
-        <p:cNvPr id="94" name="Shape 94"/>
+        <p:cNvPr id="89" name="Shape 89"/>
         <p:cNvGrpSpPr/>
         <p:nvPr/>
       </p:nvGrpSpPr>
@@ -9893,7 +8686,7 @@
       </p:grpSpPr>
       <p:sp>
         <p:nvSpPr>
-          <p:cNvPr id="95" name="Google Shape;95;p18"/>
+          <p:cNvPr id="90" name="Google Shape;90;p17"/>
           <p:cNvSpPr txBox="1"/>
           <p:nvPr>
             <p:ph type="title"/>
@@ -9933,7 +8726,7 @@
       </p:sp>
       <p:sp>
         <p:nvSpPr>
-          <p:cNvPr id="96" name="Google Shape;96;p18"/>
+          <p:cNvPr id="91" name="Google Shape;91;p17"/>
           <p:cNvSpPr txBox="1"/>
           <p:nvPr/>
         </p:nvSpPr>
@@ -9975,7 +8768,7 @@
                 <a:cs typeface="Roboto"/>
                 <a:sym typeface="Roboto"/>
               </a:rPr>
-              <a:t>ready()</a:t>
+              <a:t>boolean ready()</a:t>
             </a:r>
             <a:endParaRPr b="1" sz="2200">
               <a:solidFill>
@@ -10006,7 +8799,7 @@
                 <a:cs typeface="Roboto"/>
                 <a:sym typeface="Roboto"/>
               </a:rPr>
-              <a:t>Indica si el flujo está listo para ser leído. Estará listo si su búfer de entrada no está vacío, o si hay bytes disponibles para leer</a:t>
+              <a:t>Indica si el flujo está listo para ser leído. Estará listo si su búfer de entrada no está vacío, o si hay bytes disponibles para leer.</a:t>
             </a:r>
             <a:endParaRPr sz="1600">
               <a:latin typeface="Roboto"/>
@@ -10062,7 +8855,7 @@
                 <a:cs typeface="Roboto"/>
                 <a:sym typeface="Roboto"/>
               </a:rPr>
-              <a:t>Lanza IOException</a:t>
+              <a:t>Lanza IOException si ocurre algún error de entrada/salida.</a:t>
             </a:r>
             <a:endParaRPr sz="1600">
               <a:latin typeface="Roboto"/>
@@ -10101,6 +8894,18 @@
               </a:spcAft>
               <a:buNone/>
             </a:pPr>
+            <a:r>
+              <a:rPr b="1" lang="es" sz="2200">
+                <a:solidFill>
+                  <a:schemeClr val="dk1"/>
+                </a:solidFill>
+                <a:latin typeface="Roboto"/>
+                <a:ea typeface="Roboto"/>
+                <a:cs typeface="Roboto"/>
+                <a:sym typeface="Roboto"/>
+              </a:rPr>
+              <a:t>void </a:t>
+            </a:r>
             <a:r>
               <a:rPr b="1" lang="es" sz="2200">
                 <a:solidFill>
@@ -10142,7 +8947,7 @@
                 <a:cs typeface="Roboto"/>
                 <a:sym typeface="Roboto"/>
               </a:rPr>
-              <a:t>Cierra el flujo y libera los recursos del sistema asociades a él. Una vez cerrado el flujo, las llamadas a los métodos read(), ready(), mark(), reset() o skip() lanzarán IOException.</a:t>
+              <a:t>Cierra el flujo y libera los recursos del sistema asociados a él. Una vez cerrado el flujo, las llamadas a los métodos read(), ready(), mark(), reset() o skip() lanzarán IOException.</a:t>
             </a:r>
             <a:endParaRPr sz="1600">
               <a:latin typeface="Roboto"/>
@@ -10198,12 +9003,12 @@
 </p:sld>
 </file>
 
-<file path=ppt/slides/slide7.xml><?xml version="1.0" encoding="utf-8"?>
+<file path=ppt/slides/slide6.xml><?xml version="1.0" encoding="utf-8"?>
 <p:sld xmlns:a="http://schemas.openxmlformats.org/drawingml/2006/main" xmlns:r="http://schemas.openxmlformats.org/officeDocument/2006/relationships" xmlns:mc="http://schemas.openxmlformats.org/markup-compatibility/2006" xmlns:mv="urn:schemas-microsoft-com:mac:vml" xmlns:p="http://schemas.openxmlformats.org/presentationml/2006/main" xmlns:c="http://schemas.openxmlformats.org/drawingml/2006/chart" xmlns:dgm="http://schemas.openxmlformats.org/drawingml/2006/diagram" xmlns:o="urn:schemas-microsoft-com:office:office" xmlns:v="urn:schemas-microsoft-com:vml" xmlns:pvml="urn:schemas-microsoft-com:office:powerpoint" xmlns:com="http://schemas.openxmlformats.org/drawingml/2006/compatibility" xmlns:p14="http://schemas.microsoft.com/office/powerpoint/2010/main" xmlns:p15="http://schemas.microsoft.com/office/powerpoint/2012/main">
   <p:cSld>
     <p:spTree>
       <p:nvGrpSpPr>
-        <p:cNvPr id="100" name="Shape 100"/>
+        <p:cNvPr id="95" name="Shape 95"/>
         <p:cNvGrpSpPr/>
         <p:nvPr/>
       </p:nvGrpSpPr>
@@ -10217,7 +9022,7 @@
       </p:grpSpPr>
       <p:sp>
         <p:nvSpPr>
-          <p:cNvPr id="101" name="Google Shape;101;p19"/>
+          <p:cNvPr id="96" name="Google Shape;96;p18"/>
           <p:cNvSpPr txBox="1"/>
           <p:nvPr>
             <p:ph type="title"/>
@@ -10257,7 +9062,7 @@
       </p:sp>
       <p:sp>
         <p:nvSpPr>
-          <p:cNvPr id="102" name="Google Shape;102;p19"/>
+          <p:cNvPr id="97" name="Google Shape;97;p18"/>
           <p:cNvSpPr txBox="1"/>
           <p:nvPr/>
         </p:nvSpPr>
@@ -10342,6 +9147,66 @@
               <a:spcAft>
                 <a:spcPts val="0"/>
               </a:spcAft>
+              <a:buClr>
+                <a:srgbClr val="000000"/>
+              </a:buClr>
+              <a:buSzPts val="1100"/>
+              <a:buFont typeface="Arial"/>
+              <a:buNone/>
+            </a:pPr>
+            <a:r>
+              <a:rPr b="1" lang="es" sz="2400">
+                <a:solidFill>
+                  <a:schemeClr val="dk1"/>
+                </a:solidFill>
+                <a:latin typeface="Roboto"/>
+                <a:ea typeface="Roboto"/>
+                <a:cs typeface="Roboto"/>
+                <a:sym typeface="Roboto"/>
+              </a:rPr>
+              <a:t>Paquete java.io.OutputStreamWriter</a:t>
+            </a:r>
+            <a:endParaRPr b="1" sz="2400">
+              <a:solidFill>
+                <a:schemeClr val="dk1"/>
+              </a:solidFill>
+              <a:latin typeface="Roboto"/>
+              <a:ea typeface="Roboto"/>
+              <a:cs typeface="Roboto"/>
+              <a:sym typeface="Roboto"/>
+            </a:endParaRPr>
+          </a:p>
+          <a:p>
+            <a:pPr indent="0" lvl="0" marL="0" rtl="0" algn="l">
+              <a:spcBef>
+                <a:spcPts val="0"/>
+              </a:spcBef>
+              <a:spcAft>
+                <a:spcPts val="0"/>
+              </a:spcAft>
+              <a:buNone/>
+            </a:pPr>
+            <a:r>
+              <a:t/>
+            </a:r>
+            <a:endParaRPr b="1" sz="2400">
+              <a:solidFill>
+                <a:schemeClr val="dk1"/>
+              </a:solidFill>
+              <a:latin typeface="Roboto"/>
+              <a:ea typeface="Roboto"/>
+              <a:cs typeface="Roboto"/>
+              <a:sym typeface="Roboto"/>
+            </a:endParaRPr>
+          </a:p>
+          <a:p>
+            <a:pPr indent="0" lvl="0" marL="0" rtl="0" algn="l">
+              <a:spcBef>
+                <a:spcPts val="0"/>
+              </a:spcBef>
+              <a:spcAft>
+                <a:spcPts val="0"/>
+              </a:spcAft>
               <a:buNone/>
             </a:pPr>
             <a:r>
@@ -10355,6 +9220,326 @@
                 <a:sym typeface="Roboto"/>
               </a:rPr>
               <a:t>Para una mayor eficiencia, se aconseja usar un objeto InputStreamReader dentro de un objeto BufferedWriter (wrapping)</a:t>
+            </a:r>
+            <a:endParaRPr b="1" sz="2400">
+              <a:solidFill>
+                <a:schemeClr val="dk1"/>
+              </a:solidFill>
+              <a:latin typeface="Roboto"/>
+              <a:ea typeface="Roboto"/>
+              <a:cs typeface="Roboto"/>
+              <a:sym typeface="Roboto"/>
+            </a:endParaRPr>
+          </a:p>
+        </p:txBody>
+      </p:sp>
+      <p:pic>
+        <p:nvPicPr>
+          <p:cNvPr id="98" name="Google Shape;98;p18"/>
+          <p:cNvPicPr preferRelativeResize="0"/>
+          <p:nvPr/>
+        </p:nvPicPr>
+        <p:blipFill>
+          <a:blip r:embed="rId3">
+            <a:alphaModFix/>
+          </a:blip>
+          <a:stretch>
+            <a:fillRect/>
+          </a:stretch>
+        </p:blipFill>
+        <p:spPr>
+          <a:xfrm>
+            <a:off x="5419725" y="2066925"/>
+            <a:ext cx="3665050" cy="993600"/>
+          </a:xfrm>
+          <a:prstGeom prst="rect">
+            <a:avLst/>
+          </a:prstGeom>
+          <a:noFill/>
+          <a:ln>
+            <a:noFill/>
+          </a:ln>
+        </p:spPr>
+      </p:pic>
+    </p:spTree>
+  </p:cSld>
+  <p:clrMapOvr>
+    <a:masterClrMapping/>
+  </p:clrMapOvr>
+</p:sld>
+</file>
+
+<file path=ppt/slides/slide7.xml><?xml version="1.0" encoding="utf-8"?>
+<p:sld xmlns:a="http://schemas.openxmlformats.org/drawingml/2006/main" xmlns:r="http://schemas.openxmlformats.org/officeDocument/2006/relationships" xmlns:mc="http://schemas.openxmlformats.org/markup-compatibility/2006" xmlns:mv="urn:schemas-microsoft-com:mac:vml" xmlns:p="http://schemas.openxmlformats.org/presentationml/2006/main" xmlns:c="http://schemas.openxmlformats.org/drawingml/2006/chart" xmlns:dgm="http://schemas.openxmlformats.org/drawingml/2006/diagram" xmlns:o="urn:schemas-microsoft-com:office:office" xmlns:v="urn:schemas-microsoft-com:vml" xmlns:pvml="urn:schemas-microsoft-com:office:powerpoint" xmlns:com="http://schemas.openxmlformats.org/drawingml/2006/compatibility" xmlns:p14="http://schemas.microsoft.com/office/powerpoint/2010/main" xmlns:p15="http://schemas.microsoft.com/office/powerpoint/2012/main">
+  <p:cSld>
+    <p:spTree>
+      <p:nvGrpSpPr>
+        <p:cNvPr id="102" name="Shape 102"/>
+        <p:cNvGrpSpPr/>
+        <p:nvPr/>
+      </p:nvGrpSpPr>
+      <p:grpSpPr>
+        <a:xfrm>
+          <a:off x="0" y="0"/>
+          <a:ext cx="0" cy="0"/>
+          <a:chOff x="0" y="0"/>
+          <a:chExt cx="0" cy="0"/>
+        </a:xfrm>
+      </p:grpSpPr>
+      <p:sp>
+        <p:nvSpPr>
+          <p:cNvPr id="103" name="Google Shape;103;p19"/>
+          <p:cNvSpPr txBox="1"/>
+          <p:nvPr>
+            <p:ph type="title"/>
+          </p:nvPr>
+        </p:nvSpPr>
+        <p:spPr>
+          <a:xfrm>
+            <a:off x="311725" y="500925"/>
+            <a:ext cx="8520600" cy="623700"/>
+          </a:xfrm>
+          <a:prstGeom prst="rect">
+            <a:avLst/>
+          </a:prstGeom>
+        </p:spPr>
+        <p:txBody>
+          <a:bodyPr anchorCtr="0" anchor="t" bIns="91425" lIns="91425" spcFirstLastPara="1" rIns="91425" wrap="square" tIns="91425">
+            <a:noAutofit/>
+          </a:bodyPr>
+          <a:lstStyle/>
+          <a:p>
+            <a:pPr indent="0" lvl="0" marL="0" rtl="0" algn="l">
+              <a:spcBef>
+                <a:spcPts val="0"/>
+              </a:spcBef>
+              <a:spcAft>
+                <a:spcPts val="0"/>
+              </a:spcAft>
+              <a:buNone/>
+            </a:pPr>
+            <a:r>
+              <a:rPr lang="es"/>
+              <a:t>OutputStreamWriter</a:t>
+            </a:r>
+            <a:r>
+              <a:rPr lang="es"/>
+              <a:t>. Constructores</a:t>
+            </a:r>
+            <a:endParaRPr/>
+          </a:p>
+        </p:txBody>
+      </p:sp>
+      <p:sp>
+        <p:nvSpPr>
+          <p:cNvPr id="104" name="Google Shape;104;p19"/>
+          <p:cNvSpPr txBox="1"/>
+          <p:nvPr/>
+        </p:nvSpPr>
+        <p:spPr>
+          <a:xfrm>
+            <a:off x="311725" y="1474875"/>
+            <a:ext cx="8630400" cy="3358800"/>
+          </a:xfrm>
+          <a:prstGeom prst="rect">
+            <a:avLst/>
+          </a:prstGeom>
+          <a:noFill/>
+          <a:ln>
+            <a:noFill/>
+          </a:ln>
+        </p:spPr>
+        <p:txBody>
+          <a:bodyPr anchorCtr="0" anchor="t" bIns="91425" lIns="91425" spcFirstLastPara="1" rIns="91425" wrap="square" tIns="91425">
+            <a:noAutofit/>
+          </a:bodyPr>
+          <a:lstStyle/>
+          <a:p>
+            <a:pPr indent="0" lvl="0" marL="0" rtl="0" algn="l">
+              <a:spcBef>
+                <a:spcPts val="0"/>
+              </a:spcBef>
+              <a:spcAft>
+                <a:spcPts val="0"/>
+              </a:spcAft>
+              <a:buNone/>
+            </a:pPr>
+            <a:r>
+              <a:rPr b="1" lang="es" sz="2400">
+                <a:solidFill>
+                  <a:schemeClr val="dk1"/>
+                </a:solidFill>
+                <a:latin typeface="Roboto"/>
+                <a:ea typeface="Roboto"/>
+                <a:cs typeface="Roboto"/>
+                <a:sym typeface="Roboto"/>
+              </a:rPr>
+              <a:t>OutputStreamWriter(OutputStream out)</a:t>
+            </a:r>
+            <a:endParaRPr b="1" sz="2400">
+              <a:solidFill>
+                <a:schemeClr val="dk1"/>
+              </a:solidFill>
+              <a:latin typeface="Roboto"/>
+              <a:ea typeface="Roboto"/>
+              <a:cs typeface="Roboto"/>
+              <a:sym typeface="Roboto"/>
+            </a:endParaRPr>
+          </a:p>
+          <a:p>
+            <a:pPr indent="0" lvl="0" marL="0" rtl="0" algn="l">
+              <a:spcBef>
+                <a:spcPts val="0"/>
+              </a:spcBef>
+              <a:spcAft>
+                <a:spcPts val="0"/>
+              </a:spcAft>
+              <a:buNone/>
+            </a:pPr>
+            <a:r>
+              <a:t/>
+            </a:r>
+            <a:endParaRPr b="1" sz="2400">
+              <a:solidFill>
+                <a:schemeClr val="dk1"/>
+              </a:solidFill>
+              <a:latin typeface="Roboto"/>
+              <a:ea typeface="Roboto"/>
+              <a:cs typeface="Roboto"/>
+              <a:sym typeface="Roboto"/>
+            </a:endParaRPr>
+          </a:p>
+          <a:p>
+            <a:pPr indent="0" lvl="0" marL="0" rtl="0" algn="l">
+              <a:spcBef>
+                <a:spcPts val="0"/>
+              </a:spcBef>
+              <a:spcAft>
+                <a:spcPts val="0"/>
+              </a:spcAft>
+              <a:buNone/>
+            </a:pPr>
+            <a:r>
+              <a:rPr b="1" lang="es" sz="2400">
+                <a:solidFill>
+                  <a:schemeClr val="dk1"/>
+                </a:solidFill>
+                <a:latin typeface="Roboto"/>
+                <a:ea typeface="Roboto"/>
+                <a:cs typeface="Roboto"/>
+                <a:sym typeface="Roboto"/>
+              </a:rPr>
+              <a:t>OutputStreamWriter(OutputStream out, Charset cs)</a:t>
+            </a:r>
+            <a:endParaRPr b="1" sz="2400">
+              <a:solidFill>
+                <a:schemeClr val="dk1"/>
+              </a:solidFill>
+              <a:latin typeface="Roboto"/>
+              <a:ea typeface="Roboto"/>
+              <a:cs typeface="Roboto"/>
+              <a:sym typeface="Roboto"/>
+            </a:endParaRPr>
+          </a:p>
+          <a:p>
+            <a:pPr indent="0" lvl="0" marL="0" rtl="0" algn="l">
+              <a:spcBef>
+                <a:spcPts val="0"/>
+              </a:spcBef>
+              <a:spcAft>
+                <a:spcPts val="0"/>
+              </a:spcAft>
+              <a:buNone/>
+            </a:pPr>
+            <a:r>
+              <a:t/>
+            </a:r>
+            <a:endParaRPr b="1" sz="2400">
+              <a:solidFill>
+                <a:schemeClr val="dk1"/>
+              </a:solidFill>
+              <a:latin typeface="Roboto"/>
+              <a:ea typeface="Roboto"/>
+              <a:cs typeface="Roboto"/>
+              <a:sym typeface="Roboto"/>
+            </a:endParaRPr>
+          </a:p>
+          <a:p>
+            <a:pPr indent="0" lvl="0" marL="0" rtl="0" algn="l">
+              <a:spcBef>
+                <a:spcPts val="0"/>
+              </a:spcBef>
+              <a:spcAft>
+                <a:spcPts val="0"/>
+              </a:spcAft>
+              <a:buNone/>
+            </a:pPr>
+            <a:r>
+              <a:rPr b="1" lang="es" sz="2400">
+                <a:solidFill>
+                  <a:schemeClr val="dk1"/>
+                </a:solidFill>
+                <a:latin typeface="Roboto"/>
+                <a:ea typeface="Roboto"/>
+                <a:cs typeface="Roboto"/>
+                <a:sym typeface="Roboto"/>
+              </a:rPr>
+              <a:t>OutputStreamWriter(OutputStream out, CharsetEncoder enc)</a:t>
+            </a:r>
+            <a:endParaRPr b="1" sz="2400">
+              <a:solidFill>
+                <a:schemeClr val="dk1"/>
+              </a:solidFill>
+              <a:latin typeface="Roboto"/>
+              <a:ea typeface="Roboto"/>
+              <a:cs typeface="Roboto"/>
+              <a:sym typeface="Roboto"/>
+            </a:endParaRPr>
+          </a:p>
+          <a:p>
+            <a:pPr indent="0" lvl="0" marL="0" rtl="0" algn="l">
+              <a:spcBef>
+                <a:spcPts val="0"/>
+              </a:spcBef>
+              <a:spcAft>
+                <a:spcPts val="0"/>
+              </a:spcAft>
+              <a:buNone/>
+            </a:pPr>
+            <a:r>
+              <a:t/>
+            </a:r>
+            <a:endParaRPr b="1" sz="2400">
+              <a:solidFill>
+                <a:schemeClr val="dk1"/>
+              </a:solidFill>
+              <a:latin typeface="Roboto"/>
+              <a:ea typeface="Roboto"/>
+              <a:cs typeface="Roboto"/>
+              <a:sym typeface="Roboto"/>
+            </a:endParaRPr>
+          </a:p>
+          <a:p>
+            <a:pPr indent="0" lvl="0" marL="0" rtl="0" algn="l">
+              <a:spcBef>
+                <a:spcPts val="0"/>
+              </a:spcBef>
+              <a:spcAft>
+                <a:spcPts val="0"/>
+              </a:spcAft>
+              <a:buNone/>
+            </a:pPr>
+            <a:r>
+              <a:rPr b="1" lang="es" sz="2400">
+                <a:solidFill>
+                  <a:schemeClr val="dk1"/>
+                </a:solidFill>
+                <a:latin typeface="Roboto"/>
+                <a:ea typeface="Roboto"/>
+                <a:cs typeface="Roboto"/>
+                <a:sym typeface="Roboto"/>
+              </a:rPr>
+              <a:t>OutputStreamWriter(OutputStream out, String charsetName)</a:t>
             </a:r>
             <a:endParaRPr b="1" sz="2400">
               <a:solidFill>
@@ -10381,7 +9566,7 @@
   <p:cSld>
     <p:spTree>
       <p:nvGrpSpPr>
-        <p:cNvPr id="106" name="Shape 106"/>
+        <p:cNvPr id="108" name="Shape 108"/>
         <p:cNvGrpSpPr/>
         <p:nvPr/>
       </p:nvGrpSpPr>
@@ -10395,7 +9580,7 @@
       </p:grpSpPr>
       <p:sp>
         <p:nvSpPr>
-          <p:cNvPr id="107" name="Google Shape;107;p20"/>
+          <p:cNvPr id="109" name="Google Shape;109;p20"/>
           <p:cNvSpPr txBox="1"/>
           <p:nvPr>
             <p:ph type="title"/>
@@ -10427,11 +9612,7 @@
             </a:pPr>
             <a:r>
               <a:rPr lang="es"/>
-              <a:t>OutputStreamWriter</a:t>
-            </a:r>
-            <a:r>
-              <a:rPr lang="es"/>
-              <a:t>. Constructor</a:t>
+              <a:t>OutputStreamWriter. Métodos</a:t>
             </a:r>
             <a:endParaRPr/>
           </a:p>
@@ -10439,13 +9620,13 @@
       </p:sp>
       <p:sp>
         <p:nvSpPr>
-          <p:cNvPr id="108" name="Google Shape;108;p20"/>
+          <p:cNvPr id="110" name="Google Shape;110;p20"/>
           <p:cNvSpPr txBox="1"/>
           <p:nvPr/>
         </p:nvSpPr>
         <p:spPr>
           <a:xfrm>
-            <a:off x="311725" y="1474875"/>
+            <a:off x="311725" y="1450100"/>
             <a:ext cx="8630400" cy="3358800"/>
           </a:xfrm>
           <a:prstGeom prst="rect">
@@ -10472,7 +9653,7 @@
               <a:buNone/>
             </a:pPr>
             <a:r>
-              <a:rPr b="1" lang="es" sz="2400">
+              <a:rPr b="1" lang="es" sz="2200">
                 <a:solidFill>
                   <a:schemeClr val="dk1"/>
                 </a:solidFill>
@@ -10481,9 +9662,9 @@
                 <a:cs typeface="Roboto"/>
                 <a:sym typeface="Roboto"/>
               </a:rPr>
-              <a:t>El constructor que usaremos será:</a:t>
+              <a:t>void write(int c)</a:t>
             </a:r>
-            <a:endParaRPr b="1" sz="2400">
+            <a:endParaRPr b="1" sz="2200">
               <a:solidFill>
                 <a:schemeClr val="dk1"/>
               </a:solidFill>
@@ -10494,6 +9675,90 @@
             </a:endParaRPr>
           </a:p>
           <a:p>
+            <a:pPr indent="-342900" lvl="0" marL="457200" rtl="0" algn="l">
+              <a:spcBef>
+                <a:spcPts val="0"/>
+              </a:spcBef>
+              <a:spcAft>
+                <a:spcPts val="0"/>
+              </a:spcAft>
+              <a:buSzPts val="1800"/>
+              <a:buFont typeface="Roboto"/>
+              <a:buChar char="-"/>
+            </a:pPr>
+            <a:r>
+              <a:rPr lang="es" sz="1800">
+                <a:latin typeface="Roboto"/>
+                <a:ea typeface="Roboto"/>
+                <a:cs typeface="Roboto"/>
+                <a:sym typeface="Roboto"/>
+              </a:rPr>
+              <a:t>Escribe un carácter.</a:t>
+            </a:r>
+            <a:endParaRPr sz="1800">
+              <a:latin typeface="Roboto"/>
+              <a:ea typeface="Roboto"/>
+              <a:cs typeface="Roboto"/>
+              <a:sym typeface="Roboto"/>
+            </a:endParaRPr>
+          </a:p>
+          <a:p>
+            <a:pPr indent="-342900" lvl="0" marL="457200" rtl="0" algn="l">
+              <a:spcBef>
+                <a:spcPts val="0"/>
+              </a:spcBef>
+              <a:spcAft>
+                <a:spcPts val="0"/>
+              </a:spcAft>
+              <a:buSzPts val="1800"/>
+              <a:buFont typeface="Roboto"/>
+              <a:buChar char="-"/>
+            </a:pPr>
+            <a:r>
+              <a:rPr lang="es" sz="1800">
+                <a:latin typeface="Roboto"/>
+                <a:ea typeface="Roboto"/>
+                <a:cs typeface="Roboto"/>
+                <a:sym typeface="Roboto"/>
+              </a:rPr>
+              <a:t>c: un entero especificando el carácter a escribir.</a:t>
+            </a:r>
+            <a:endParaRPr sz="1800">
+              <a:latin typeface="Roboto"/>
+              <a:ea typeface="Roboto"/>
+              <a:cs typeface="Roboto"/>
+              <a:sym typeface="Roboto"/>
+            </a:endParaRPr>
+          </a:p>
+          <a:p>
+            <a:pPr indent="-342900" lvl="0" marL="457200" rtl="0" algn="l">
+              <a:spcBef>
+                <a:spcPts val="0"/>
+              </a:spcBef>
+              <a:spcAft>
+                <a:spcPts val="0"/>
+              </a:spcAft>
+              <a:buSzPts val="1800"/>
+              <a:buFont typeface="Roboto"/>
+              <a:buChar char="-"/>
+            </a:pPr>
+            <a:r>
+              <a:rPr lang="es" sz="1800">
+                <a:latin typeface="Roboto"/>
+                <a:ea typeface="Roboto"/>
+                <a:cs typeface="Roboto"/>
+                <a:sym typeface="Roboto"/>
+              </a:rPr>
+              <a:t>Lanza IOException si ocurre algún error de entrada/salida.</a:t>
+            </a:r>
+            <a:endParaRPr sz="1800">
+              <a:latin typeface="Roboto"/>
+              <a:ea typeface="Roboto"/>
+              <a:cs typeface="Roboto"/>
+              <a:sym typeface="Roboto"/>
+            </a:endParaRPr>
+          </a:p>
+          <a:p>
             <a:pPr indent="0" lvl="0" marL="0" rtl="0" algn="l">
               <a:spcBef>
                 <a:spcPts val="0"/>
@@ -10506,7 +9771,36 @@
             <a:r>
               <a:t/>
             </a:r>
-            <a:endParaRPr b="1" sz="2400">
+            <a:endParaRPr>
+              <a:latin typeface="Roboto"/>
+              <a:ea typeface="Roboto"/>
+              <a:cs typeface="Roboto"/>
+              <a:sym typeface="Roboto"/>
+            </a:endParaRPr>
+          </a:p>
+          <a:p>
+            <a:pPr indent="0" lvl="0" marL="0" rtl="0" algn="l">
+              <a:spcBef>
+                <a:spcPts val="0"/>
+              </a:spcBef>
+              <a:spcAft>
+                <a:spcPts val="0"/>
+              </a:spcAft>
+              <a:buNone/>
+            </a:pPr>
+            <a:r>
+              <a:rPr b="1" lang="es" sz="2200">
+                <a:solidFill>
+                  <a:schemeClr val="dk1"/>
+                </a:solidFill>
+                <a:latin typeface="Roboto"/>
+                <a:ea typeface="Roboto"/>
+                <a:cs typeface="Roboto"/>
+                <a:sym typeface="Roboto"/>
+              </a:rPr>
+              <a:t>void write(char[] cbuf, int off, int length)</a:t>
+            </a:r>
+            <a:endParaRPr b="1" sz="2200">
               <a:solidFill>
                 <a:schemeClr val="dk1"/>
               </a:solidFill>
@@ -10517,28 +9811,104 @@
             </a:endParaRPr>
           </a:p>
           <a:p>
-            <a:pPr indent="0" lvl="0" marL="0" rtl="0" algn="l">
-              <a:spcBef>
-                <a:spcPts val="0"/>
-              </a:spcBef>
-              <a:spcAft>
-                <a:spcPts val="0"/>
-              </a:spcAft>
-              <a:buNone/>
+            <a:pPr indent="-342900" lvl="0" marL="457200" rtl="0" algn="l">
+              <a:spcBef>
+                <a:spcPts val="0"/>
+              </a:spcBef>
+              <a:spcAft>
+                <a:spcPts val="0"/>
+              </a:spcAft>
+              <a:buSzPts val="1800"/>
+              <a:buFont typeface="Roboto"/>
+              <a:buChar char="-"/>
             </a:pPr>
             <a:r>
-              <a:rPr b="1" lang="es" sz="2400">
-                <a:solidFill>
-                  <a:schemeClr val="dk1"/>
-                </a:solidFill>
+              <a:rPr lang="es" sz="1800">
                 <a:latin typeface="Roboto"/>
                 <a:ea typeface="Roboto"/>
                 <a:cs typeface="Roboto"/>
                 <a:sym typeface="Roboto"/>
               </a:rPr>
-              <a:t>OutputStreamWriter(OutputStream salida)</a:t>
+              <a:t>Escribe una porción de un array de caracteres</a:t>
             </a:r>
-            <a:endParaRPr b="1" sz="2400">
+            <a:endParaRPr sz="1800">
+              <a:latin typeface="Roboto"/>
+              <a:ea typeface="Roboto"/>
+              <a:cs typeface="Roboto"/>
+              <a:sym typeface="Roboto"/>
+            </a:endParaRPr>
+          </a:p>
+          <a:p>
+            <a:pPr indent="-342900" lvl="0" marL="457200" rtl="0" algn="l">
+              <a:spcBef>
+                <a:spcPts val="0"/>
+              </a:spcBef>
+              <a:spcAft>
+                <a:spcPts val="0"/>
+              </a:spcAft>
+              <a:buSzPts val="1800"/>
+              <a:buFont typeface="Roboto"/>
+              <a:buChar char="-"/>
+            </a:pPr>
+            <a:r>
+              <a:rPr lang="es" sz="1800">
+                <a:latin typeface="Roboto"/>
+                <a:ea typeface="Roboto"/>
+                <a:cs typeface="Roboto"/>
+                <a:sym typeface="Roboto"/>
+              </a:rPr>
+              <a:t>Lanza IOException si ocurre algún error de entrada/salida.</a:t>
+            </a:r>
+            <a:endParaRPr sz="1800">
+              <a:latin typeface="Roboto"/>
+              <a:ea typeface="Roboto"/>
+              <a:cs typeface="Roboto"/>
+              <a:sym typeface="Roboto"/>
+            </a:endParaRPr>
+          </a:p>
+          <a:p>
+            <a:pPr indent="0" lvl="0" marL="0" rtl="0" algn="l">
+              <a:spcBef>
+                <a:spcPts val="0"/>
+              </a:spcBef>
+              <a:spcAft>
+                <a:spcPts val="0"/>
+              </a:spcAft>
+              <a:buNone/>
+            </a:pPr>
+            <a:r>
+              <a:t/>
+            </a:r>
+            <a:endParaRPr sz="1800">
+              <a:latin typeface="Roboto"/>
+              <a:ea typeface="Roboto"/>
+              <a:cs typeface="Roboto"/>
+              <a:sym typeface="Roboto"/>
+            </a:endParaRPr>
+          </a:p>
+          <a:p>
+            <a:pPr indent="0" lvl="0" marL="0" rtl="0" algn="l">
+              <a:spcBef>
+                <a:spcPts val="0"/>
+              </a:spcBef>
+              <a:spcAft>
+                <a:spcPts val="0"/>
+              </a:spcAft>
+              <a:buNone/>
+            </a:pPr>
+            <a:r>
+              <a:rPr b="1" lang="es" sz="2200">
+                <a:solidFill>
+                  <a:schemeClr val="dk1"/>
+                </a:solidFill>
+                <a:latin typeface="Roboto"/>
+                <a:ea typeface="Roboto"/>
+                <a:cs typeface="Roboto"/>
+                <a:sym typeface="Roboto"/>
+              </a:rPr>
+              <a:t>void write(String str, int off, int length)</a:t>
+            </a:r>
+            <a:endParaRPr b="1" sz="2200">
               <a:solidFill>
                 <a:schemeClr val="dk1"/>
               </a:solidFill>
@@ -10549,22 +9919,55 @@
             </a:endParaRPr>
           </a:p>
           <a:p>
-            <a:pPr indent="0" lvl="0" marL="0" rtl="0" algn="l">
-              <a:spcBef>
-                <a:spcPts val="0"/>
-              </a:spcBef>
-              <a:spcAft>
-                <a:spcPts val="0"/>
-              </a:spcAft>
-              <a:buNone/>
+            <a:pPr indent="-342900" lvl="0" marL="457200" rtl="0" algn="l">
+              <a:spcBef>
+                <a:spcPts val="0"/>
+              </a:spcBef>
+              <a:spcAft>
+                <a:spcPts val="0"/>
+              </a:spcAft>
+              <a:buSzPts val="1800"/>
+              <a:buFont typeface="Roboto"/>
+              <a:buChar char="-"/>
             </a:pPr>
             <a:r>
-              <a:t/>
+              <a:rPr lang="es" sz="1800">
+                <a:latin typeface="Roboto"/>
+                <a:ea typeface="Roboto"/>
+                <a:cs typeface="Roboto"/>
+                <a:sym typeface="Roboto"/>
+              </a:rPr>
+              <a:t>Escribe una porción de un String</a:t>
             </a:r>
-            <a:endParaRPr b="1" sz="2400">
-              <a:solidFill>
-                <a:schemeClr val="dk1"/>
-              </a:solidFill>
+            <a:endParaRPr sz="1800">
+              <a:latin typeface="Roboto"/>
+              <a:ea typeface="Roboto"/>
+              <a:cs typeface="Roboto"/>
+              <a:sym typeface="Roboto"/>
+            </a:endParaRPr>
+          </a:p>
+          <a:p>
+            <a:pPr indent="-342900" lvl="0" marL="457200" rtl="0" algn="l">
+              <a:spcBef>
+                <a:spcPts val="0"/>
+              </a:spcBef>
+              <a:spcAft>
+                <a:spcPts val="0"/>
+              </a:spcAft>
+              <a:buSzPts val="1800"/>
+              <a:buFont typeface="Roboto"/>
+              <a:buChar char="-"/>
+            </a:pPr>
+            <a:r>
+              <a:rPr lang="es" sz="1800">
+                <a:latin typeface="Roboto"/>
+                <a:ea typeface="Roboto"/>
+                <a:cs typeface="Roboto"/>
+                <a:sym typeface="Roboto"/>
+              </a:rPr>
+              <a:t>Lanza IOException si ocurre algún error de entrada/salida.</a:t>
+            </a:r>
+            <a:endParaRPr sz="1800">
               <a:latin typeface="Roboto"/>
               <a:ea typeface="Roboto"/>
               <a:cs typeface="Roboto"/>
@@ -10582,16 +9985,27 @@
               <a:buNone/>
             </a:pPr>
             <a:r>
-              <a:rPr b="1" lang="es" sz="2400">
-                <a:solidFill>
-                  <a:schemeClr val="dk1"/>
-                </a:solidFill>
-                <a:latin typeface="Roboto"/>
-                <a:ea typeface="Roboto"/>
-                <a:cs typeface="Roboto"/>
-                <a:sym typeface="Roboto"/>
-              </a:rPr>
-              <a:t>Los otros constructores nos permiten elegir el charset.</a:t>
+              <a:t/>
+            </a:r>
+            <a:endParaRPr sz="1800">
+              <a:latin typeface="Roboto"/>
+              <a:ea typeface="Roboto"/>
+              <a:cs typeface="Roboto"/>
+              <a:sym typeface="Roboto"/>
+            </a:endParaRPr>
+          </a:p>
+          <a:p>
+            <a:pPr indent="0" lvl="0" marL="0" rtl="0" algn="l">
+              <a:spcBef>
+                <a:spcPts val="0"/>
+              </a:spcBef>
+              <a:spcAft>
+                <a:spcPts val="0"/>
+              </a:spcAft>
+              <a:buNone/>
+            </a:pPr>
+            <a:r>
+              <a:t/>
             </a:r>
             <a:endParaRPr b="1" sz="2400">
               <a:solidFill>
@@ -10618,7 +10032,7 @@
   <p:cSld>
     <p:spTree>
       <p:nvGrpSpPr>
-        <p:cNvPr id="112" name="Shape 112"/>
+        <p:cNvPr id="114" name="Shape 114"/>
         <p:cNvGrpSpPr/>
         <p:nvPr/>
       </p:nvGrpSpPr>
@@ -10632,7 +10046,7 @@
       </p:grpSpPr>
       <p:sp>
         <p:nvSpPr>
-          <p:cNvPr id="113" name="Google Shape;113;p21"/>
+          <p:cNvPr id="115" name="Google Shape;115;p21"/>
           <p:cNvSpPr txBox="1"/>
           <p:nvPr>
             <p:ph type="title"/>
@@ -10664,7 +10078,7 @@
             </a:pPr>
             <a:r>
               <a:rPr lang="es"/>
-              <a:t>OutputStream y FileOutputStream</a:t>
+              <a:t>OutputStreamWriter. Métodos</a:t>
             </a:r>
             <a:endParaRPr/>
           </a:p>
@@ -10672,7 +10086,7 @@
       </p:sp>
       <p:sp>
         <p:nvSpPr>
-          <p:cNvPr id="114" name="Google Shape;114;p21"/>
+          <p:cNvPr id="116" name="Google Shape;116;p21"/>
           <p:cNvSpPr txBox="1"/>
           <p:nvPr/>
         </p:nvSpPr>
@@ -10702,11 +10116,6 @@
               <a:spcAft>
                 <a:spcPts val="0"/>
               </a:spcAft>
-              <a:buClr>
-                <a:srgbClr val="000000"/>
-              </a:buClr>
-              <a:buSzPts val="1100"/>
-              <a:buFont typeface="Arial"/>
               <a:buNone/>
             </a:pPr>
             <a:r>
@@ -10719,7 +10128,7 @@
                 <a:cs typeface="Roboto"/>
                 <a:sym typeface="Roboto"/>
               </a:rPr>
-              <a:t>OutputStream </a:t>
+              <a:t>void flush</a:t>
             </a:r>
             <a:r>
               <a:rPr b="1" lang="es" sz="2200">
@@ -10731,7 +10140,7 @@
                 <a:cs typeface="Roboto"/>
                 <a:sym typeface="Roboto"/>
               </a:rPr>
-              <a:t>es un flujo de salida de datos. Por ejemplo, System.out(salida estándar, normalmente el CMD), es un OutputStream .</a:t>
+              <a:t>()</a:t>
             </a:r>
             <a:endParaRPr b="1" sz="2200">
               <a:solidFill>
@@ -10744,6 +10153,62 @@
             </a:endParaRPr>
           </a:p>
           <a:p>
+            <a:pPr indent="-342900" lvl="0" marL="457200" rtl="0" algn="l">
+              <a:spcBef>
+                <a:spcPts val="0"/>
+              </a:spcBef>
+              <a:spcAft>
+                <a:spcPts val="0"/>
+              </a:spcAft>
+              <a:buSzPts val="1800"/>
+              <a:buFont typeface="Roboto"/>
+              <a:buChar char="-"/>
+            </a:pPr>
+            <a:r>
+              <a:rPr lang="es" sz="1800">
+                <a:latin typeface="Roboto"/>
+                <a:ea typeface="Roboto"/>
+                <a:cs typeface="Roboto"/>
+                <a:sym typeface="Roboto"/>
+              </a:rPr>
+              <a:t>Limpia* el flujo.</a:t>
+            </a:r>
+            <a:endParaRPr sz="1800">
+              <a:latin typeface="Roboto"/>
+              <a:ea typeface="Roboto"/>
+              <a:cs typeface="Roboto"/>
+              <a:sym typeface="Roboto"/>
+            </a:endParaRPr>
+          </a:p>
+          <a:p>
+            <a:pPr indent="-342900" lvl="0" marL="457200" rtl="0" algn="l">
+              <a:spcBef>
+                <a:spcPts val="0"/>
+              </a:spcBef>
+              <a:spcAft>
+                <a:spcPts val="0"/>
+              </a:spcAft>
+              <a:buSzPts val="1800"/>
+              <a:buFont typeface="Roboto"/>
+              <a:buChar char="-"/>
+            </a:pPr>
+            <a:r>
+              <a:rPr lang="es" sz="1800">
+                <a:latin typeface="Roboto"/>
+                <a:ea typeface="Roboto"/>
+                <a:cs typeface="Roboto"/>
+                <a:sym typeface="Roboto"/>
+              </a:rPr>
+              <a:t>Lanza IOException si ocurre algún error de entrada/salida.</a:t>
+            </a:r>
+            <a:endParaRPr sz="1800">
+              <a:latin typeface="Roboto"/>
+              <a:ea typeface="Roboto"/>
+              <a:cs typeface="Roboto"/>
+              <a:sym typeface="Roboto"/>
+            </a:endParaRPr>
+          </a:p>
+          <a:p>
             <a:pPr indent="0" lvl="0" marL="0" rtl="0" algn="l">
               <a:spcBef>
                 <a:spcPts val="0"/>
@@ -10751,15 +10216,39 @@
               <a:spcAft>
                 <a:spcPts val="0"/>
               </a:spcAft>
-              <a:buClr>
-                <a:srgbClr val="000000"/>
-              </a:buClr>
-              <a:buSzPts val="1100"/>
-              <a:buFont typeface="Arial"/>
               <a:buNone/>
             </a:pPr>
             <a:r>
               <a:t/>
+            </a:r>
+            <a:endParaRPr>
+              <a:latin typeface="Roboto"/>
+              <a:ea typeface="Roboto"/>
+              <a:cs typeface="Roboto"/>
+              <a:sym typeface="Roboto"/>
+            </a:endParaRPr>
+          </a:p>
+          <a:p>
+            <a:pPr indent="0" lvl="0" marL="0" rtl="0" algn="l">
+              <a:spcBef>
+                <a:spcPts val="0"/>
+              </a:spcBef>
+              <a:spcAft>
+                <a:spcPts val="0"/>
+              </a:spcAft>
+              <a:buNone/>
+            </a:pPr>
+            <a:r>
+              <a:rPr b="1" lang="es" sz="2200">
+                <a:solidFill>
+                  <a:schemeClr val="dk1"/>
+                </a:solidFill>
+                <a:latin typeface="Roboto"/>
+                <a:ea typeface="Roboto"/>
+                <a:cs typeface="Roboto"/>
+                <a:sym typeface="Roboto"/>
+              </a:rPr>
+              <a:t>void close()</a:t>
             </a:r>
             <a:endParaRPr b="1" sz="2200">
               <a:solidFill>
@@ -10772,36 +10261,55 @@
             </a:endParaRPr>
           </a:p>
           <a:p>
-            <a:pPr indent="0" lvl="0" marL="0" rtl="0" algn="l">
-              <a:spcBef>
-                <a:spcPts val="0"/>
-              </a:spcBef>
-              <a:spcAft>
-                <a:spcPts val="0"/>
-              </a:spcAft>
-              <a:buClr>
-                <a:srgbClr val="000000"/>
-              </a:buClr>
-              <a:buSzPts val="1100"/>
-              <a:buFont typeface="Arial"/>
-              <a:buNone/>
+            <a:pPr indent="-342900" lvl="0" marL="457200" rtl="0" algn="l">
+              <a:spcBef>
+                <a:spcPts val="0"/>
+              </a:spcBef>
+              <a:spcAft>
+                <a:spcPts val="0"/>
+              </a:spcAft>
+              <a:buSzPts val="1800"/>
+              <a:buFont typeface="Roboto"/>
+              <a:buChar char="-"/>
             </a:pPr>
             <a:r>
-              <a:rPr b="1" lang="es" sz="2200">
-                <a:solidFill>
-                  <a:schemeClr val="dk1"/>
-                </a:solidFill>
+              <a:rPr lang="es" sz="1800">
                 <a:latin typeface="Roboto"/>
                 <a:ea typeface="Roboto"/>
                 <a:cs typeface="Roboto"/>
                 <a:sym typeface="Roboto"/>
               </a:rPr>
-              <a:t>FileOutputStream es una clase hija de OutputStream , y escribe bytes en un archivo.</a:t>
+              <a:t>Cierra el flujo, limpiándolo antes.</a:t>
             </a:r>
-            <a:endParaRPr b="1" sz="2200">
-              <a:solidFill>
-                <a:schemeClr val="dk1"/>
-              </a:solidFill>
+            <a:endParaRPr sz="1800">
+              <a:latin typeface="Roboto"/>
+              <a:ea typeface="Roboto"/>
+              <a:cs typeface="Roboto"/>
+              <a:sym typeface="Roboto"/>
+            </a:endParaRPr>
+          </a:p>
+          <a:p>
+            <a:pPr indent="-342900" lvl="0" marL="457200" rtl="0" algn="l">
+              <a:spcBef>
+                <a:spcPts val="0"/>
+              </a:spcBef>
+              <a:spcAft>
+                <a:spcPts val="0"/>
+              </a:spcAft>
+              <a:buSzPts val="1800"/>
+              <a:buFont typeface="Roboto"/>
+              <a:buChar char="-"/>
+            </a:pPr>
+            <a:r>
+              <a:rPr lang="es" sz="1800">
+                <a:latin typeface="Roboto"/>
+                <a:ea typeface="Roboto"/>
+                <a:cs typeface="Roboto"/>
+                <a:sym typeface="Roboto"/>
+              </a:rPr>
+              <a:t>Lanza IOException si ocurre algún error de entrada/salida.</a:t>
+            </a:r>
+            <a:endParaRPr sz="1800">
               <a:latin typeface="Roboto"/>
               <a:ea typeface="Roboto"/>
               <a:cs typeface="Roboto"/>
@@ -10816,20 +10324,12 @@
               <a:spcAft>
                 <a:spcPts val="0"/>
               </a:spcAft>
-              <a:buClr>
-                <a:srgbClr val="000000"/>
-              </a:buClr>
-              <a:buSzPts val="1100"/>
-              <a:buFont typeface="Arial"/>
               <a:buNone/>
             </a:pPr>
             <a:r>
               <a:t/>
             </a:r>
-            <a:endParaRPr b="1" sz="1800">
-              <a:solidFill>
-                <a:schemeClr val="dk1"/>
-              </a:solidFill>
+            <a:endParaRPr sz="1800">
               <a:latin typeface="Roboto"/>
               <a:ea typeface="Roboto"/>
               <a:cs typeface="Roboto"/>
@@ -10844,20 +10344,12 @@
               <a:spcAft>
                 <a:spcPts val="0"/>
               </a:spcAft>
-              <a:buClr>
-                <a:srgbClr val="000000"/>
-              </a:buClr>
-              <a:buSzPts val="1100"/>
-              <a:buFont typeface="Arial"/>
               <a:buNone/>
             </a:pPr>
             <a:r>
               <a:t/>
             </a:r>
-            <a:endParaRPr b="1" sz="1800">
-              <a:solidFill>
-                <a:schemeClr val="dk1"/>
-              </a:solidFill>
+            <a:endParaRPr sz="1800">
               <a:latin typeface="Roboto"/>
               <a:ea typeface="Roboto"/>
               <a:cs typeface="Roboto"/>
@@ -10872,28 +10364,43 @@
               <a:spcAft>
                 <a:spcPts val="0"/>
               </a:spcAft>
-              <a:buClr>
-                <a:srgbClr val="000000"/>
-              </a:buClr>
-              <a:buSzPts val="1100"/>
-              <a:buFont typeface="Arial"/>
               <a:buNone/>
             </a:pPr>
             <a:r>
-              <a:rPr b="1" lang="es" sz="1800">
-                <a:solidFill>
-                  <a:schemeClr val="dk2"/>
+              <a:t/>
+            </a:r>
+            <a:endParaRPr sz="1800">
+              <a:latin typeface="Roboto"/>
+              <a:ea typeface="Roboto"/>
+              <a:cs typeface="Roboto"/>
+              <a:sym typeface="Roboto"/>
+            </a:endParaRPr>
+          </a:p>
+          <a:p>
+            <a:pPr indent="0" lvl="0" marL="0" rtl="0" algn="l">
+              <a:spcBef>
+                <a:spcPts val="0"/>
+              </a:spcBef>
+              <a:spcAft>
+                <a:spcPts val="0"/>
+              </a:spcAft>
+              <a:buNone/>
+            </a:pPr>
+            <a:r>
+              <a:rPr lang="es">
+                <a:solidFill>
+                  <a:srgbClr val="474747"/>
                 </a:solidFill>
                 <a:latin typeface="Roboto"/>
                 <a:ea typeface="Roboto"/>
                 <a:cs typeface="Roboto"/>
                 <a:sym typeface="Roboto"/>
               </a:rPr>
-              <a:t>Nota: FileOutputStream está pensada para escribir flujos de bytes “puros” como imágenes. Para escribir flujos de caracteres, se aconseja usar FileWriter.</a:t>
+              <a:t>*Limpiar el flujo: cuándo se usa un Stream (flujo), a veces se queda información en la clase que está manejando el stream, al “limpiarlo”, se obliga a que pase todo.</a:t>
             </a:r>
-            <a:endParaRPr b="1" sz="1800">
+            <a:endParaRPr>
               <a:solidFill>
-                <a:schemeClr val="dk2"/>
+                <a:srgbClr val="474747"/>
               </a:solidFill>
               <a:latin typeface="Roboto"/>
               <a:ea typeface="Roboto"/>
@@ -10935,6 +10442,285 @@
 </file>
 
 <file path=ppt/theme/theme1.xml><?xml version="1.0" encoding="utf-8"?>
+<a:theme xmlns:a="http://schemas.openxmlformats.org/drawingml/2006/main" xmlns:r="http://schemas.openxmlformats.org/officeDocument/2006/relationships">
+  <a:themeElements>
+    <a:clrScheme name="Default">
+      <a:dk1>
+        <a:srgbClr val="000000"/>
+      </a:dk1>
+      <a:lt1>
+        <a:srgbClr val="FFFFFF"/>
+      </a:lt1>
+      <a:dk2>
+        <a:srgbClr val="158158"/>
+      </a:dk2>
+      <a:lt2>
+        <a:srgbClr val="F3F3F3"/>
+      </a:lt2>
+      <a:accent1>
+        <a:srgbClr val="058DC7"/>
+      </a:accent1>
+      <a:accent2>
+        <a:srgbClr val="50B432"/>
+      </a:accent2>
+      <a:accent3>
+        <a:srgbClr val="ED561B"/>
+      </a:accent3>
+      <a:accent4>
+        <a:srgbClr val="EDEF00"/>
+      </a:accent4>
+      <a:accent5>
+        <a:srgbClr val="24CBE5"/>
+      </a:accent5>
+      <a:accent6>
+        <a:srgbClr val="64E572"/>
+      </a:accent6>
+      <a:hlink>
+        <a:srgbClr val="2200CC"/>
+      </a:hlink>
+      <a:folHlink>
+        <a:srgbClr val="551A8B"/>
+      </a:folHlink>
+    </a:clrScheme>
+    <a:fontScheme name="Office">
+      <a:majorFont>
+        <a:latin typeface="Arial"/>
+        <a:ea typeface=""/>
+        <a:cs typeface=""/>
+        <a:font script="Jpan" typeface="ＭＳ Ｐゴシック"/>
+        <a:font script="Hang" typeface="맑은 고딕"/>
+        <a:font script="Hans" typeface="宋体"/>
+        <a:font script="Hant" typeface="新細明體"/>
+        <a:font script="Arab" typeface="Times New Roman"/>
+        <a:font script="Hebr" typeface="Times New Roman"/>
+        <a:font script="Thai" typeface="Angsana New"/>
+        <a:font script="Ethi" typeface="Nyala"/>
+        <a:font script="Beng" typeface="Vrinda"/>
+        <a:font script="Gujr" typeface="Shruti"/>
+        <a:font script="Khmr" typeface="MoolBoran"/>
+        <a:font script="Knda" typeface="Tunga"/>
+        <a:font script="Guru" typeface="Raavi"/>
+        <a:font script="Cans" typeface="Euphemia"/>
+        <a:font script="Cher" typeface="Plantagenet Cherokee"/>
+        <a:font script="Yiii" typeface="Microsoft Yi Baiti"/>
+        <a:font script="Tibt" typeface="Microsoft Himalaya"/>
+        <a:font script="Thaa" typeface="MV Boli"/>
+        <a:font script="Deva" typeface="Mangal"/>
+        <a:font script="Telu" typeface="Gautami"/>
+        <a:font script="Taml" typeface="Latha"/>
+        <a:font script="Syrc" typeface="Estrangelo Edessa"/>
+        <a:font script="Orya" typeface="Kalinga"/>
+        <a:font script="Mlym" typeface="Kartika"/>
+        <a:font script="Laoo" typeface="DokChampa"/>
+        <a:font script="Sinh" typeface="Iskoola Pota"/>
+        <a:font script="Mong" typeface="Mongolian Baiti"/>
+        <a:font script="Viet" typeface="Times New Roman"/>
+        <a:font script="Uigh" typeface="Microsoft Uighur"/>
+        <a:font script="Geor" typeface="Sylfaen"/>
+      </a:majorFont>
+      <a:minorFont>
+        <a:latin typeface="Arial"/>
+        <a:ea typeface=""/>
+        <a:cs typeface=""/>
+        <a:font script="Jpan" typeface="ＭＳ Ｐゴシック"/>
+        <a:font script="Hang" typeface="맑은 고딕"/>
+        <a:font script="Hans" typeface="宋体"/>
+        <a:font script="Hant" typeface="新細明體"/>
+        <a:font script="Arab" typeface="Arial"/>
+        <a:font script="Hebr" typeface="Arial"/>
+        <a:font script="Thai" typeface="Cordia New"/>
+        <a:font script="Ethi" typeface="Nyala"/>
+        <a:font script="Beng" typeface="Vrinda"/>
+        <a:font script="Gujr" typeface="Shruti"/>
+        <a:font script="Khmr" typeface="DaunPenh"/>
+        <a:font script="Knda" typeface="Tunga"/>
+        <a:font script="Guru" typeface="Raavi"/>
+        <a:font script="Cans" typeface="Euphemia"/>
+        <a:font script="Cher" typeface="Plantagenet Cherokee"/>
+        <a:font script="Yiii" typeface="Microsoft Yi Baiti"/>
+        <a:font script="Tibt" typeface="Microsoft Himalaya"/>
+        <a:font script="Thaa" typeface="MV Boli"/>
+        <a:font script="Deva" typeface="Mangal"/>
+        <a:font script="Telu" typeface="Gautami"/>
+        <a:font script="Taml" typeface="Latha"/>
+        <a:font script="Syrc" typeface="Estrangelo Edessa"/>
+        <a:font script="Orya" typeface="Kalinga"/>
+        <a:font script="Mlym" typeface="Kartika"/>
+        <a:font script="Laoo" typeface="DokChampa"/>
+        <a:font script="Sinh" typeface="Iskoola Pota"/>
+        <a:font script="Mong" typeface="Mongolian Baiti"/>
+        <a:font script="Viet" typeface="Arial"/>
+        <a:font script="Uigh" typeface="Microsoft Uighur"/>
+        <a:font script="Geor" typeface="Sylfaen"/>
+      </a:minorFont>
+    </a:fontScheme>
+    <a:fmtScheme name="Office">
+      <a:fillStyleLst>
+        <a:solidFill>
+          <a:schemeClr val="phClr"/>
+        </a:solidFill>
+        <a:gradFill rotWithShape="1">
+          <a:gsLst>
+            <a:gs pos="0">
+              <a:schemeClr val="phClr">
+                <a:tint val="50000"/>
+                <a:satMod val="300000"/>
+              </a:schemeClr>
+            </a:gs>
+            <a:gs pos="35000">
+              <a:schemeClr val="phClr">
+                <a:tint val="37000"/>
+                <a:satMod val="300000"/>
+              </a:schemeClr>
+            </a:gs>
+            <a:gs pos="100000">
+              <a:schemeClr val="phClr">
+                <a:tint val="15000"/>
+                <a:satMod val="350000"/>
+              </a:schemeClr>
+            </a:gs>
+          </a:gsLst>
+          <a:lin ang="16200000" scaled="1"/>
+        </a:gradFill>
+        <a:gradFill rotWithShape="1">
+          <a:gsLst>
+            <a:gs pos="0">
+              <a:schemeClr val="phClr">
+                <a:tint val="100000"/>
+                <a:shade val="100000"/>
+                <a:satMod val="130000"/>
+              </a:schemeClr>
+            </a:gs>
+            <a:gs pos="100000">
+              <a:schemeClr val="phClr">
+                <a:tint val="50000"/>
+                <a:shade val="100000"/>
+                <a:satMod val="350000"/>
+              </a:schemeClr>
+            </a:gs>
+          </a:gsLst>
+          <a:lin ang="16200000" scaled="0"/>
+        </a:gradFill>
+      </a:fillStyleLst>
+      <a:lnStyleLst>
+        <a:ln w="9525" cap="flat" cmpd="sng" algn="ctr">
+          <a:solidFill>
+            <a:schemeClr val="phClr">
+              <a:shade val="95000"/>
+              <a:satMod val="105000"/>
+            </a:schemeClr>
+          </a:solidFill>
+          <a:prstDash val="solid"/>
+        </a:ln>
+        <a:ln w="25400" cap="flat" cmpd="sng" algn="ctr">
+          <a:solidFill>
+            <a:schemeClr val="phClr"/>
+          </a:solidFill>
+          <a:prstDash val="solid"/>
+        </a:ln>
+        <a:ln w="38100" cap="flat" cmpd="sng" algn="ctr">
+          <a:solidFill>
+            <a:schemeClr val="phClr"/>
+          </a:solidFill>
+          <a:prstDash val="solid"/>
+        </a:ln>
+      </a:lnStyleLst>
+      <a:effectStyleLst>
+        <a:effectStyle>
+          <a:effectLst>
+            <a:outerShdw blurRad="40000" dist="20000" dir="5400000" rotWithShape="0">
+              <a:srgbClr val="000000">
+                <a:alpha val="38000"/>
+              </a:srgbClr>
+            </a:outerShdw>
+          </a:effectLst>
+        </a:effectStyle>
+        <a:effectStyle>
+          <a:effectLst>
+            <a:outerShdw blurRad="40000" dist="23000" dir="5400000" rotWithShape="0">
+              <a:srgbClr val="000000">
+                <a:alpha val="35000"/>
+              </a:srgbClr>
+            </a:outerShdw>
+          </a:effectLst>
+        </a:effectStyle>
+        <a:effectStyle>
+          <a:effectLst>
+            <a:outerShdw blurRad="40000" dist="23000" dir="5400000" rotWithShape="0">
+              <a:srgbClr val="000000">
+                <a:alpha val="35000"/>
+              </a:srgbClr>
+            </a:outerShdw>
+          </a:effectLst>
+          <a:scene3d>
+            <a:camera prst="orthographicFront">
+              <a:rot lat="0" lon="0" rev="0"/>
+            </a:camera>
+            <a:lightRig rig="threePt" dir="t">
+              <a:rot lat="0" lon="0" rev="1200000"/>
+            </a:lightRig>
+          </a:scene3d>
+          <a:sp3d>
+            <a:bevelT w="63500" h="25400"/>
+          </a:sp3d>
+        </a:effectStyle>
+      </a:effectStyleLst>
+      <a:bgFillStyleLst>
+        <a:solidFill>
+          <a:schemeClr val="phClr"/>
+        </a:solidFill>
+        <a:gradFill rotWithShape="1">
+          <a:gsLst>
+            <a:gs pos="0">
+              <a:schemeClr val="phClr">
+                <a:tint val="40000"/>
+                <a:satMod val="350000"/>
+              </a:schemeClr>
+            </a:gs>
+            <a:gs pos="40000">
+              <a:schemeClr val="phClr">
+                <a:tint val="45000"/>
+                <a:shade val="99000"/>
+                <a:satMod val="350000"/>
+              </a:schemeClr>
+            </a:gs>
+            <a:gs pos="100000">
+              <a:schemeClr val="phClr">
+                <a:shade val="20000"/>
+                <a:satMod val="255000"/>
+              </a:schemeClr>
+            </a:gs>
+          </a:gsLst>
+          <a:path path="circle">
+            <a:fillToRect l="50000" t="-80000" r="50000" b="180000"/>
+          </a:path>
+        </a:gradFill>
+        <a:gradFill rotWithShape="1">
+          <a:gsLst>
+            <a:gs pos="0">
+              <a:schemeClr val="phClr">
+                <a:tint val="80000"/>
+                <a:satMod val="300000"/>
+              </a:schemeClr>
+            </a:gs>
+            <a:gs pos="100000">
+              <a:schemeClr val="phClr">
+                <a:shade val="30000"/>
+                <a:satMod val="200000"/>
+              </a:schemeClr>
+            </a:gs>
+          </a:gsLst>
+          <a:path path="circle">
+            <a:fillToRect l="50000" t="50000" r="50000" b="50000"/>
+          </a:path>
+        </a:gradFill>
+      </a:bgFillStyleLst>
+    </a:fmtScheme>
+  </a:themeElements>
+</a:theme>
+</file>
+
+<file path=ppt/theme/theme2.xml><?xml version="1.0" encoding="utf-8"?>
 <a:theme xmlns:a="http://schemas.openxmlformats.org/drawingml/2006/main" xmlns:r="http://schemas.openxmlformats.org/officeDocument/2006/relationships" name="Paradigm">
   <a:themeElements>
     <a:clrScheme name="Paradigm">
@@ -11211,283 +10997,4 @@
     </a:fmtScheme>
   </a:themeElements>
 </a:theme>
-</file>
-
-<file path=ppt/theme/theme2.xml><?xml version="1.0" encoding="utf-8"?>
-<a:theme xmlns:a="http://schemas.openxmlformats.org/drawingml/2006/main" xmlns:r="http://schemas.openxmlformats.org/officeDocument/2006/relationships">
-  <a:themeElements>
-    <a:clrScheme name="Default">
-      <a:dk1>
-        <a:srgbClr val="000000"/>
-      </a:dk1>
-      <a:lt1>
-        <a:srgbClr val="FFFFFF"/>
-      </a:lt1>
-      <a:dk2>
-        <a:srgbClr val="158158"/>
-      </a:dk2>
-      <a:lt2>
-        <a:srgbClr val="F3F3F3"/>
-      </a:lt2>
-      <a:accent1>
-        <a:srgbClr val="058DC7"/>
-      </a:accent1>
-      <a:accent2>
-        <a:srgbClr val="50B432"/>
-      </a:accent2>
-      <a:accent3>
-        <a:srgbClr val="ED561B"/>
-      </a:accent3>
-      <a:accent4>
-        <a:srgbClr val="EDEF00"/>
-      </a:accent4>
-      <a:accent5>
-        <a:srgbClr val="24CBE5"/>
-      </a:accent5>
-      <a:accent6>
-        <a:srgbClr val="64E572"/>
-      </a:accent6>
-      <a:hlink>
-        <a:srgbClr val="2200CC"/>
-      </a:hlink>
-      <a:folHlink>
-        <a:srgbClr val="551A8B"/>
-      </a:folHlink>
-    </a:clrScheme>
-    <a:fontScheme name="Office">
-      <a:majorFont>
-        <a:latin typeface="Arial"/>
-        <a:ea typeface=""/>
-        <a:cs typeface=""/>
-        <a:font script="Jpan" typeface="ＭＳ Ｐゴシック"/>
-        <a:font script="Hang" typeface="맑은 고딕"/>
-        <a:font script="Hans" typeface="宋体"/>
-        <a:font script="Hant" typeface="新細明體"/>
-        <a:font script="Arab" typeface="Times New Roman"/>
-        <a:font script="Hebr" typeface="Times New Roman"/>
-        <a:font script="Thai" typeface="Angsana New"/>
-        <a:font script="Ethi" typeface="Nyala"/>
-        <a:font script="Beng" typeface="Vrinda"/>
-        <a:font script="Gujr" typeface="Shruti"/>
-        <a:font script="Khmr" typeface="MoolBoran"/>
-        <a:font script="Knda" typeface="Tunga"/>
-        <a:font script="Guru" typeface="Raavi"/>
-        <a:font script="Cans" typeface="Euphemia"/>
-        <a:font script="Cher" typeface="Plantagenet Cherokee"/>
-        <a:font script="Yiii" typeface="Microsoft Yi Baiti"/>
-        <a:font script="Tibt" typeface="Microsoft Himalaya"/>
-        <a:font script="Thaa" typeface="MV Boli"/>
-        <a:font script="Deva" typeface="Mangal"/>
-        <a:font script="Telu" typeface="Gautami"/>
-        <a:font script="Taml" typeface="Latha"/>
-        <a:font script="Syrc" typeface="Estrangelo Edessa"/>
-        <a:font script="Orya" typeface="Kalinga"/>
-        <a:font script="Mlym" typeface="Kartika"/>
-        <a:font script="Laoo" typeface="DokChampa"/>
-        <a:font script="Sinh" typeface="Iskoola Pota"/>
-        <a:font script="Mong" typeface="Mongolian Baiti"/>
-        <a:font script="Viet" typeface="Times New Roman"/>
-        <a:font script="Uigh" typeface="Microsoft Uighur"/>
-        <a:font script="Geor" typeface="Sylfaen"/>
-      </a:majorFont>
-      <a:minorFont>
-        <a:latin typeface="Arial"/>
-        <a:ea typeface=""/>
-        <a:cs typeface=""/>
-        <a:font script="Jpan" typeface="ＭＳ Ｐゴシック"/>
-        <a:font script="Hang" typeface="맑은 고딕"/>
-        <a:font script="Hans" typeface="宋体"/>
-        <a:font script="Hant" typeface="新細明體"/>
-        <a:font script="Arab" typeface="Arial"/>
-        <a:font script="Hebr" typeface="Arial"/>
-        <a:font script="Thai" typeface="Cordia New"/>
-        <a:font script="Ethi" typeface="Nyala"/>
-        <a:font script="Beng" typeface="Vrinda"/>
-        <a:font script="Gujr" typeface="Shruti"/>
-        <a:font script="Khmr" typeface="DaunPenh"/>
-        <a:font script="Knda" typeface="Tunga"/>
-        <a:font script="Guru" typeface="Raavi"/>
-        <a:font script="Cans" typeface="Euphemia"/>
-        <a:font script="Cher" typeface="Plantagenet Cherokee"/>
-        <a:font script="Yiii" typeface="Microsoft Yi Baiti"/>
-        <a:font script="Tibt" typeface="Microsoft Himalaya"/>
-        <a:font script="Thaa" typeface="MV Boli"/>
-        <a:font script="Deva" typeface="Mangal"/>
-        <a:font script="Telu" typeface="Gautami"/>
-        <a:font script="Taml" typeface="Latha"/>
-        <a:font script="Syrc" typeface="Estrangelo Edessa"/>
-        <a:font script="Orya" typeface="Kalinga"/>
-        <a:font script="Mlym" typeface="Kartika"/>
-        <a:font script="Laoo" typeface="DokChampa"/>
-        <a:font script="Sinh" typeface="Iskoola Pota"/>
-        <a:font script="Mong" typeface="Mongolian Baiti"/>
-        <a:font script="Viet" typeface="Arial"/>
-        <a:font script="Uigh" typeface="Microsoft Uighur"/>
-        <a:font script="Geor" typeface="Sylfaen"/>
-      </a:minorFont>
-    </a:fontScheme>
-    <a:fmtScheme name="Office">
-      <a:fillStyleLst>
-        <a:solidFill>
-          <a:schemeClr val="phClr"/>
-        </a:solidFill>
-        <a:gradFill rotWithShape="1">
-          <a:gsLst>
-            <a:gs pos="0">
-              <a:schemeClr val="phClr">
-                <a:tint val="50000"/>
-                <a:satMod val="300000"/>
-              </a:schemeClr>
-            </a:gs>
-            <a:gs pos="35000">
-              <a:schemeClr val="phClr">
-                <a:tint val="37000"/>
-                <a:satMod val="300000"/>
-              </a:schemeClr>
-            </a:gs>
-            <a:gs pos="100000">
-              <a:schemeClr val="phClr">
-                <a:tint val="15000"/>
-                <a:satMod val="350000"/>
-              </a:schemeClr>
-            </a:gs>
-          </a:gsLst>
-          <a:lin ang="16200000" scaled="1"/>
-        </a:gradFill>
-        <a:gradFill rotWithShape="1">
-          <a:gsLst>
-            <a:gs pos="0">
-              <a:schemeClr val="phClr">
-                <a:tint val="100000"/>
-                <a:shade val="100000"/>
-                <a:satMod val="130000"/>
-              </a:schemeClr>
-            </a:gs>
-            <a:gs pos="100000">
-              <a:schemeClr val="phClr">
-                <a:tint val="50000"/>
-                <a:shade val="100000"/>
-                <a:satMod val="350000"/>
-              </a:schemeClr>
-            </a:gs>
-          </a:gsLst>
-          <a:lin ang="16200000" scaled="0"/>
-        </a:gradFill>
-      </a:fillStyleLst>
-      <a:lnStyleLst>
-        <a:ln w="9525" cap="flat" cmpd="sng" algn="ctr">
-          <a:solidFill>
-            <a:schemeClr val="phClr">
-              <a:shade val="95000"/>
-              <a:satMod val="105000"/>
-            </a:schemeClr>
-          </a:solidFill>
-          <a:prstDash val="solid"/>
-        </a:ln>
-        <a:ln w="25400" cap="flat" cmpd="sng" algn="ctr">
-          <a:solidFill>
-            <a:schemeClr val="phClr"/>
-          </a:solidFill>
-          <a:prstDash val="solid"/>
-        </a:ln>
-        <a:ln w="38100" cap="flat" cmpd="sng" algn="ctr">
-          <a:solidFill>
-            <a:schemeClr val="phClr"/>
-          </a:solidFill>
-          <a:prstDash val="solid"/>
-        </a:ln>
-      </a:lnStyleLst>
-      <a:effectStyleLst>
-        <a:effectStyle>
-          <a:effectLst>
-            <a:outerShdw blurRad="40000" dist="20000" dir="5400000" rotWithShape="0">
-              <a:srgbClr val="000000">
-                <a:alpha val="38000"/>
-              </a:srgbClr>
-            </a:outerShdw>
-          </a:effectLst>
-        </a:effectStyle>
-        <a:effectStyle>
-          <a:effectLst>
-            <a:outerShdw blurRad="40000" dist="23000" dir="5400000" rotWithShape="0">
-              <a:srgbClr val="000000">
-                <a:alpha val="35000"/>
-              </a:srgbClr>
-            </a:outerShdw>
-          </a:effectLst>
-        </a:effectStyle>
-        <a:effectStyle>
-          <a:effectLst>
-            <a:outerShdw blurRad="40000" dist="23000" dir="5400000" rotWithShape="0">
-              <a:srgbClr val="000000">
-                <a:alpha val="35000"/>
-              </a:srgbClr>
-            </a:outerShdw>
-          </a:effectLst>
-          <a:scene3d>
-            <a:camera prst="orthographicFront">
-              <a:rot lat="0" lon="0" rev="0"/>
-            </a:camera>
-            <a:lightRig rig="threePt" dir="t">
-              <a:rot lat="0" lon="0" rev="1200000"/>
-            </a:lightRig>
-          </a:scene3d>
-          <a:sp3d>
-            <a:bevelT w="63500" h="25400"/>
-          </a:sp3d>
-        </a:effectStyle>
-      </a:effectStyleLst>
-      <a:bgFillStyleLst>
-        <a:solidFill>
-          <a:schemeClr val="phClr"/>
-        </a:solidFill>
-        <a:gradFill rotWithShape="1">
-          <a:gsLst>
-            <a:gs pos="0">
-              <a:schemeClr val="phClr">
-                <a:tint val="40000"/>
-                <a:satMod val="350000"/>
-              </a:schemeClr>
-            </a:gs>
-            <a:gs pos="40000">
-              <a:schemeClr val="phClr">
-                <a:tint val="45000"/>
-                <a:shade val="99000"/>
-                <a:satMod val="350000"/>
-              </a:schemeClr>
-            </a:gs>
-            <a:gs pos="100000">
-              <a:schemeClr val="phClr">
-                <a:shade val="20000"/>
-                <a:satMod val="255000"/>
-              </a:schemeClr>
-            </a:gs>
-          </a:gsLst>
-          <a:path path="circle">
-            <a:fillToRect l="50000" t="-80000" r="50000" b="180000"/>
-          </a:path>
-        </a:gradFill>
-        <a:gradFill rotWithShape="1">
-          <a:gsLst>
-            <a:gs pos="0">
-              <a:schemeClr val="phClr">
-                <a:tint val="80000"/>
-                <a:satMod val="300000"/>
-              </a:schemeClr>
-            </a:gs>
-            <a:gs pos="100000">
-              <a:schemeClr val="phClr">
-                <a:shade val="30000"/>
-                <a:satMod val="200000"/>
-              </a:schemeClr>
-            </a:gs>
-          </a:gsLst>
-          <a:path path="circle">
-            <a:fillToRect l="50000" t="50000" r="50000" b="50000"/>
-          </a:path>
-        </a:gradFill>
-      </a:bgFillStyleLst>
-    </a:fmtScheme>
-  </a:themeElements>
-</a:theme>
 </file>